--- a/Kubernetes 101.pptx
+++ b/Kubernetes 101.pptx
@@ -148,14 +148,6 @@
 <p188:authorLst xmlns:a="http://schemas.openxmlformats.org/drawingml/2006/main" xmlns:r="http://schemas.openxmlformats.org/officeDocument/2006/relationships" xmlns:p188="http://schemas.microsoft.com/office/powerpoint/2018/8/main">
   <p188:author id="{00000000-0000-0000-0000-000000000000}" name="Author" initials="A" userId="Author" providerId="AD"/>
 </p188:authorLst>
-</file>
-
-<file path=ppt/revisionInfo.xml><?xml version="1.0" encoding="utf-8"?>
-<p1510:revInfo xmlns:a="http://schemas.openxmlformats.org/drawingml/2006/main" xmlns:r="http://schemas.openxmlformats.org/officeDocument/2006/relationships" xmlns:p1510="http://schemas.microsoft.com/office/powerpoint/2015/10/main">
-  <p1510:revLst>
-    <p1510:client id="{C78988A0-FFD9-F246-B364-AB58F1186943}" v="8" dt="2024-08-15T16:53:19.267"/>
-  </p1510:revLst>
-</p1510:revInfo>
 </file>
 
 <file path=ppt/changesInfos/changesInfo1.xml><?xml version="1.0" encoding="utf-8"?>
@@ -615,7 +607,7 @@
   <pc:docChgLst>
     <pc:chgData name="Benjamin Banwart" userId="1116b3b0e2dc197b" providerId="LiveId" clId="{01826761-158E-4AD1-BD53-5E3FC0E8347E}"/>
     <pc:docChg chg="undo redo custSel addSld delSld modSld sldOrd">
-      <pc:chgData name="Benjamin Banwart" userId="1116b3b0e2dc197b" providerId="LiveId" clId="{01826761-158E-4AD1-BD53-5E3FC0E8347E}" dt="2024-08-09T21:17:48.514" v="2414" actId="20577"/>
+      <pc:chgData name="Benjamin Banwart" userId="1116b3b0e2dc197b" providerId="LiveId" clId="{01826761-158E-4AD1-BD53-5E3FC0E8347E}" dt="2024-08-22T21:13:52.016" v="2426" actId="20577"/>
       <pc:docMkLst>
         <pc:docMk/>
       </pc:docMkLst>
@@ -1539,13 +1531,13 @@
         </pc:picChg>
       </pc:sldChg>
       <pc:sldChg chg="addSp delSp modSp add mod">
-        <pc:chgData name="Benjamin Banwart" userId="1116b3b0e2dc197b" providerId="LiveId" clId="{01826761-158E-4AD1-BD53-5E3FC0E8347E}" dt="2024-08-08T20:35:35.315" v="1979" actId="20577"/>
+        <pc:chgData name="Benjamin Banwart" userId="1116b3b0e2dc197b" providerId="LiveId" clId="{01826761-158E-4AD1-BD53-5E3FC0E8347E}" dt="2024-08-22T21:13:52.016" v="2426" actId="20577"/>
         <pc:sldMkLst>
           <pc:docMk/>
           <pc:sldMk cId="2410054369" sldId="303"/>
         </pc:sldMkLst>
         <pc:spChg chg="mod">
-          <ac:chgData name="Benjamin Banwart" userId="1116b3b0e2dc197b" providerId="LiveId" clId="{01826761-158E-4AD1-BD53-5E3FC0E8347E}" dt="2024-08-08T20:35:35.315" v="1979" actId="20577"/>
+          <ac:chgData name="Benjamin Banwart" userId="1116b3b0e2dc197b" providerId="LiveId" clId="{01826761-158E-4AD1-BD53-5E3FC0E8347E}" dt="2024-08-22T21:13:52.016" v="2426" actId="20577"/>
           <ac:spMkLst>
             <pc:docMk/>
             <pc:sldMk cId="2410054369" sldId="303"/>
@@ -1699,7 +1691,7 @@
           <a:p>
             <a:fld id="{8CD26A2A-0A96-0647-84E5-C82F2EFD9474}" type="datetimeFigureOut">
               <a:rPr lang="en-US" smtClean="0"/>
-              <a:t>8/13/24</a:t>
+              <a:t>8/21/2024</a:t>
             </a:fld>
             <a:endParaRPr lang="en-US"/>
           </a:p>
@@ -1888,7 +1880,7 @@
           <a:p>
             <a:fld id="{546253B2-FD87-4AAE-AF69-14FE02FB4D05}" type="datetimeFigureOut">
               <a:rPr lang="en-US" smtClean="0"/>
-              <a:t>8/13/24</a:t>
+              <a:t>8/21/2024</a:t>
             </a:fld>
             <a:endParaRPr lang="en-US"/>
           </a:p>
@@ -24050,7 +24042,7 @@
           </a:lstStyle>
           <a:p>
             <a:r>
-              <a:rPr lang="en-US" sz="1800" dirty="0"/>
+              <a:rPr lang="en-US" sz="1800"/>
               <a:t>Benji Banwart</a:t>
             </a:r>
           </a:p>
@@ -25474,7 +25466,7 @@
             </a:r>
           </a:p>
           <a:p>
-            <a:endParaRPr lang="en-US" dirty="0"/>
+            <a:endParaRPr lang="en-US"/>
           </a:p>
         </p:txBody>
       </p:sp>
@@ -27795,7 +27787,7 @@
         <p:spPr>
           <a:xfrm>
             <a:off x="6096000" y="1149901"/>
-            <a:ext cx="4873752" cy="5016758"/>
+            <a:ext cx="4873752" cy="4093428"/>
           </a:xfrm>
           <a:prstGeom prst="rect">
             <a:avLst/>
@@ -27949,61 +27941,7 @@
                 <a:ea typeface="微软雅黑"/>
                 <a:cs typeface="Posterama" panose="020B0504020200020000" pitchFamily="34" charset="0"/>
               </a:rPr>
-              <a:t>Can be duplicated in order to properly scale</a:t>
-            </a:r>
-          </a:p>
-          <a:p>
-            <a:pPr marL="285750" indent="-285750">
-              <a:lnSpc>
-                <a:spcPct val="100000"/>
-              </a:lnSpc>
-              <a:spcBef>
-                <a:spcPts val="0"/>
-              </a:spcBef>
-              <a:buFont typeface="Arial" panose="020B0604020202020204" pitchFamily="34" charset="0"/>
-              <a:buChar char="•"/>
-            </a:pPr>
-            <a:endParaRPr lang="en-US" sz="2000" dirty="0">
-              <a:solidFill>
-                <a:schemeClr val="bg2"/>
-              </a:solidFill>
-              <a:latin typeface="Posterama" panose="020B0504020200020000" pitchFamily="34" charset="0"/>
-              <a:ea typeface="微软雅黑"/>
-              <a:cs typeface="Posterama" panose="020B0504020200020000" pitchFamily="34" charset="0"/>
-            </a:endParaRPr>
-          </a:p>
-          <a:p>
-            <a:pPr marL="285750" indent="-285750">
-              <a:lnSpc>
-                <a:spcPct val="100000"/>
-              </a:lnSpc>
-              <a:spcBef>
-                <a:spcPts val="0"/>
-              </a:spcBef>
-              <a:buFont typeface="Arial" panose="020B0604020202020204" pitchFamily="34" charset="0"/>
-              <a:buChar char="•"/>
-            </a:pPr>
-            <a:r>
-              <a:rPr lang="en-US" sz="2000">
-                <a:solidFill>
-                  <a:schemeClr val="bg2"/>
-                </a:solidFill>
-                <a:latin typeface="Posterama" panose="020B0504020200020000" pitchFamily="34" charset="0"/>
-                <a:ea typeface="微软雅黑"/>
-                <a:cs typeface="Posterama" panose="020B0504020200020000" pitchFamily="34" charset="0"/>
-              </a:rPr>
-              <a:t>Each </a:t>
-            </a:r>
-            <a:r>
-              <a:rPr lang="en-US" sz="2000" dirty="0">
-                <a:solidFill>
-                  <a:schemeClr val="bg2"/>
-                </a:solidFill>
-                <a:latin typeface="Posterama" panose="020B0504020200020000" pitchFamily="34" charset="0"/>
-                <a:ea typeface="微软雅黑"/>
-                <a:cs typeface="Posterama" panose="020B0504020200020000" pitchFamily="34" charset="0"/>
-              </a:rPr>
-              <a:t>will have its own IP address</a:t>
+              <a:t>Can be duplicated to properly scale</a:t>
             </a:r>
           </a:p>
         </p:txBody>
@@ -29242,6 +29180,26 @@
 </file>
 
 <file path=customXml/item1.xml><?xml version="1.0" encoding="utf-8"?>
+<p:properties xmlns:p="http://schemas.microsoft.com/office/2006/metadata/properties" xmlns:xsi="http://www.w3.org/2001/XMLSchema-instance" xmlns:pc="http://schemas.microsoft.com/office/infopath/2007/PartnerControls">
+  <documentManagement>
+    <_ip_UnifiedCompliancePolicyUIAction xmlns="http://schemas.microsoft.com/sharepoint/v3" xsi:nil="true"/>
+    <Image xmlns="71af3243-3dd4-4a8d-8c0d-dd76da1f02a5">
+      <Url xsi:nil="true"/>
+      <Description xsi:nil="true"/>
+    </Image>
+    <Status xmlns="71af3243-3dd4-4a8d-8c0d-dd76da1f02a5">Not started</Status>
+    <Background xmlns="71af3243-3dd4-4a8d-8c0d-dd76da1f02a5">false</Background>
+    <_ip_UnifiedCompliancePolicyProperties xmlns="http://schemas.microsoft.com/sharepoint/v3" xsi:nil="true"/>
+    <ImageTagsTaxHTField xmlns="71af3243-3dd4-4a8d-8c0d-dd76da1f02a5">
+      <Terms xmlns="http://schemas.microsoft.com/office/infopath/2007/PartnerControls"/>
+    </ImageTagsTaxHTField>
+    <TaxCatchAll xmlns="230e9df3-be65-4c73-a93b-d1236ebd677e" xsi:nil="true"/>
+    <MediaServiceKeyPoints xmlns="71af3243-3dd4-4a8d-8c0d-dd76da1f02a5" xsi:nil="true"/>
+  </documentManagement>
+</p:properties>
+</file>
+
+<file path=customXml/item2.xml><?xml version="1.0" encoding="utf-8"?>
 <?mso-contentType ?>
 <FormTemplates xmlns="http://schemas.microsoft.com/sharepoint/v3/contenttype/forms">
   <Display>DocumentLibraryForm</Display>
@@ -29250,7 +29208,7 @@
 </FormTemplates>
 </file>
 
-<file path=customXml/item2.xml><?xml version="1.0" encoding="utf-8"?>
+<file path=customXml/item3.xml><?xml version="1.0" encoding="utf-8"?>
 <ct:contentTypeSchema xmlns:ct="http://schemas.microsoft.com/office/2006/metadata/contentType" xmlns:ma="http://schemas.microsoft.com/office/2006/metadata/properties/metaAttributes" ct:_="" ma:_="" ma:contentTypeName="Document" ma:contentTypeID="0x01010079F111ED35F8CC479449609E8A0923A6" ma:contentTypeVersion="28" ma:contentTypeDescription="Create a new document." ma:contentTypeScope="" ma:versionID="60f5a4f2d2b0abadcf532d48ebf9cb71">
   <xsd:schema xmlns:xsd="http://www.w3.org/2001/XMLSchema" xmlns:xs="http://www.w3.org/2001/XMLSchema" xmlns:p="http://schemas.microsoft.com/office/2006/metadata/properties" xmlns:ns1="http://schemas.microsoft.com/sharepoint/v3" xmlns:ns2="71af3243-3dd4-4a8d-8c0d-dd76da1f02a5" xmlns:ns3="16c05727-aa75-4e4a-9b5f-8a80a1165891" xmlns:ns4="230e9df3-be65-4c73-a93b-d1236ebd677e" targetNamespace="http://schemas.microsoft.com/office/2006/metadata/properties" ma:root="true" ma:fieldsID="7dd78129e6a1811f84807ad11c651531" ns1:_="" ns2:_="" ns3:_="" ns4:_="">
     <xsd:import namespace="http://schemas.microsoft.com/sharepoint/v3"/>
@@ -29562,27 +29520,19 @@
 </ct:contentTypeSchema>
 </file>
 
-<file path=customXml/item3.xml><?xml version="1.0" encoding="utf-8"?>
-<p:properties xmlns:p="http://schemas.microsoft.com/office/2006/metadata/properties" xmlns:xsi="http://www.w3.org/2001/XMLSchema-instance" xmlns:pc="http://schemas.microsoft.com/office/infopath/2007/PartnerControls">
-  <documentManagement>
-    <_ip_UnifiedCompliancePolicyUIAction xmlns="http://schemas.microsoft.com/sharepoint/v3" xsi:nil="true"/>
-    <Image xmlns="71af3243-3dd4-4a8d-8c0d-dd76da1f02a5">
-      <Url xsi:nil="true"/>
-      <Description xsi:nil="true"/>
-    </Image>
-    <Status xmlns="71af3243-3dd4-4a8d-8c0d-dd76da1f02a5">Not started</Status>
-    <Background xmlns="71af3243-3dd4-4a8d-8c0d-dd76da1f02a5">false</Background>
-    <_ip_UnifiedCompliancePolicyProperties xmlns="http://schemas.microsoft.com/sharepoint/v3" xsi:nil="true"/>
-    <ImageTagsTaxHTField xmlns="71af3243-3dd4-4a8d-8c0d-dd76da1f02a5">
-      <Terms xmlns="http://schemas.microsoft.com/office/infopath/2007/PartnerControls"/>
-    </ImageTagsTaxHTField>
-    <TaxCatchAll xmlns="230e9df3-be65-4c73-a93b-d1236ebd677e" xsi:nil="true"/>
-    <MediaServiceKeyPoints xmlns="71af3243-3dd4-4a8d-8c0d-dd76da1f02a5" xsi:nil="true"/>
-  </documentManagement>
-</p:properties>
+<file path=customXml/itemProps1.xml><?xml version="1.0" encoding="utf-8"?>
+<ds:datastoreItem xmlns:ds="http://schemas.openxmlformats.org/officeDocument/2006/customXml" ds:itemID="{F4D5854E-F453-4846-A87D-6EF3DCF73E3E}">
+  <ds:schemaRefs>
+    <ds:schemaRef ds:uri="230e9df3-be65-4c73-a93b-d1236ebd677e"/>
+    <ds:schemaRef ds:uri="71af3243-3dd4-4a8d-8c0d-dd76da1f02a5"/>
+    <ds:schemaRef ds:uri="http://schemas.microsoft.com/office/2006/metadata/properties"/>
+    <ds:schemaRef ds:uri="http://schemas.microsoft.com/office/infopath/2007/PartnerControls"/>
+    <ds:schemaRef ds:uri="http://schemas.microsoft.com/sharepoint/v3"/>
+  </ds:schemaRefs>
+</ds:datastoreItem>
 </file>
 
-<file path=customXml/itemProps1.xml><?xml version="1.0" encoding="utf-8"?>
+<file path=customXml/itemProps2.xml><?xml version="1.0" encoding="utf-8"?>
 <ds:datastoreItem xmlns:ds="http://schemas.openxmlformats.org/officeDocument/2006/customXml" ds:itemID="{F8C25491-3B09-4F3E-8C86-936D290E4013}">
   <ds:schemaRefs>
     <ds:schemaRef ds:uri="http://schemas.microsoft.com/sharepoint/v3/contenttype/forms"/>
@@ -29590,7 +29540,7 @@
 </ds:datastoreItem>
 </file>
 
-<file path=customXml/itemProps2.xml><?xml version="1.0" encoding="utf-8"?>
+<file path=customXml/itemProps3.xml><?xml version="1.0" encoding="utf-8"?>
 <ds:datastoreItem xmlns:ds="http://schemas.openxmlformats.org/officeDocument/2006/customXml" ds:itemID="{337AE0CD-4570-4F66-89CD-DDD19F091E8D}">
   <ds:schemaRefs>
     <ds:schemaRef ds:uri="16c05727-aa75-4e4a-9b5f-8a80a1165891"/>
@@ -29611,18 +29561,6 @@
 </ds:datastoreItem>
 </file>
 
-<file path=customXml/itemProps3.xml><?xml version="1.0" encoding="utf-8"?>
-<ds:datastoreItem xmlns:ds="http://schemas.openxmlformats.org/officeDocument/2006/customXml" ds:itemID="{F4D5854E-F453-4846-A87D-6EF3DCF73E3E}">
-  <ds:schemaRefs>
-    <ds:schemaRef ds:uri="230e9df3-be65-4c73-a93b-d1236ebd677e"/>
-    <ds:schemaRef ds:uri="71af3243-3dd4-4a8d-8c0d-dd76da1f02a5"/>
-    <ds:schemaRef ds:uri="http://schemas.microsoft.com/office/2006/metadata/properties"/>
-    <ds:schemaRef ds:uri="http://schemas.microsoft.com/office/infopath/2007/PartnerControls"/>
-    <ds:schemaRef ds:uri="http://schemas.microsoft.com/sharepoint/v3"/>
-  </ds:schemaRefs>
-</ds:datastoreItem>
-</file>
-
 <file path=docMetadata/LabelInfo.xml><?xml version="1.0" encoding="utf-8"?>
 <clbl:labelList xmlns:clbl="http://schemas.microsoft.com/office/2020/mipLabelMetadata"/>
 </file>
--- a/Kubernetes 101.pptx
+++ b/Kubernetes 101.pptx
@@ -152,458 +152,6 @@
 
 <file path=ppt/changesInfos/changesInfo1.xml><?xml version="1.0" encoding="utf-8"?>
 <pc:chgInfo xmlns:a="http://schemas.openxmlformats.org/drawingml/2006/main" xmlns:r="http://schemas.openxmlformats.org/officeDocument/2006/relationships" xmlns:ac="http://schemas.microsoft.com/office/drawing/2013/main/command" xmlns:pc="http://schemas.microsoft.com/office/powerpoint/2013/main/command">
-  <pc:docChgLst>
-    <pc:chgData name="Benjamin Banwart" userId="1116b3b0e2dc197b" providerId="LiveId" clId="{C78988A0-FFD9-F246-B364-AB58F1186943}"/>
-    <pc:docChg chg="undo redo custSel addSld delSld modSld sldOrd">
-      <pc:chgData name="Benjamin Banwart" userId="1116b3b0e2dc197b" providerId="LiveId" clId="{C78988A0-FFD9-F246-B364-AB58F1186943}" dt="2024-08-15T17:25:49.612" v="478" actId="1076"/>
-      <pc:docMkLst>
-        <pc:docMk/>
-      </pc:docMkLst>
-      <pc:sldChg chg="del">
-        <pc:chgData name="Benjamin Banwart" userId="1116b3b0e2dc197b" providerId="LiveId" clId="{C78988A0-FFD9-F246-B364-AB58F1186943}" dt="2024-08-14T14:36:08.620" v="240" actId="2696"/>
-        <pc:sldMkLst>
-          <pc:docMk/>
-          <pc:sldMk cId="2775535166" sldId="275"/>
-        </pc:sldMkLst>
-      </pc:sldChg>
-      <pc:sldChg chg="del">
-        <pc:chgData name="Benjamin Banwart" userId="1116b3b0e2dc197b" providerId="LiveId" clId="{C78988A0-FFD9-F246-B364-AB58F1186943}" dt="2024-08-14T14:39:58.030" v="259" actId="2696"/>
-        <pc:sldMkLst>
-          <pc:docMk/>
-          <pc:sldMk cId="77554804" sldId="276"/>
-        </pc:sldMkLst>
-      </pc:sldChg>
-      <pc:sldChg chg="del">
-        <pc:chgData name="Benjamin Banwart" userId="1116b3b0e2dc197b" providerId="LiveId" clId="{C78988A0-FFD9-F246-B364-AB58F1186943}" dt="2024-08-14T14:39:58.838" v="260" actId="2696"/>
-        <pc:sldMkLst>
-          <pc:docMk/>
-          <pc:sldMk cId="1640288181" sldId="278"/>
-        </pc:sldMkLst>
-      </pc:sldChg>
-      <pc:sldChg chg="del">
-        <pc:chgData name="Benjamin Banwart" userId="1116b3b0e2dc197b" providerId="LiveId" clId="{C78988A0-FFD9-F246-B364-AB58F1186943}" dt="2024-08-14T14:39:59.534" v="261" actId="2696"/>
-        <pc:sldMkLst>
-          <pc:docMk/>
-          <pc:sldMk cId="1246021298" sldId="279"/>
-        </pc:sldMkLst>
-      </pc:sldChg>
-      <pc:sldChg chg="del">
-        <pc:chgData name="Benjamin Banwart" userId="1116b3b0e2dc197b" providerId="LiveId" clId="{C78988A0-FFD9-F246-B364-AB58F1186943}" dt="2024-08-14T14:40:06.101" v="263" actId="2696"/>
-        <pc:sldMkLst>
-          <pc:docMk/>
-          <pc:sldMk cId="2107888131" sldId="281"/>
-        </pc:sldMkLst>
-      </pc:sldChg>
-      <pc:sldChg chg="del">
-        <pc:chgData name="Benjamin Banwart" userId="1116b3b0e2dc197b" providerId="LiveId" clId="{C78988A0-FFD9-F246-B364-AB58F1186943}" dt="2024-08-14T14:40:06.975" v="264" actId="2696"/>
-        <pc:sldMkLst>
-          <pc:docMk/>
-          <pc:sldMk cId="2624021206" sldId="284"/>
-        </pc:sldMkLst>
-      </pc:sldChg>
-      <pc:sldChg chg="del">
-        <pc:chgData name="Benjamin Banwart" userId="1116b3b0e2dc197b" providerId="LiveId" clId="{C78988A0-FFD9-F246-B364-AB58F1186943}" dt="2024-08-14T14:40:08.510" v="265" actId="2696"/>
-        <pc:sldMkLst>
-          <pc:docMk/>
-          <pc:sldMk cId="3760906987" sldId="285"/>
-        </pc:sldMkLst>
-      </pc:sldChg>
-      <pc:sldChg chg="del">
-        <pc:chgData name="Benjamin Banwart" userId="1116b3b0e2dc197b" providerId="LiveId" clId="{C78988A0-FFD9-F246-B364-AB58F1186943}" dt="2024-08-14T14:40:15.028" v="267" actId="2696"/>
-        <pc:sldMkLst>
-          <pc:docMk/>
-          <pc:sldMk cId="4157533387" sldId="288"/>
-        </pc:sldMkLst>
-      </pc:sldChg>
-      <pc:sldChg chg="addSp delSp modSp mod">
-        <pc:chgData name="Benjamin Banwart" userId="1116b3b0e2dc197b" providerId="LiveId" clId="{C78988A0-FFD9-F246-B364-AB58F1186943}" dt="2024-08-14T14:48:33.721" v="346" actId="20577"/>
-        <pc:sldMkLst>
-          <pc:docMk/>
-          <pc:sldMk cId="529279411" sldId="289"/>
-        </pc:sldMkLst>
-        <pc:spChg chg="add del mod">
-          <ac:chgData name="Benjamin Banwart" userId="1116b3b0e2dc197b" providerId="LiveId" clId="{C78988A0-FFD9-F246-B364-AB58F1186943}" dt="2024-08-14T14:47:07.411" v="272" actId="478"/>
-          <ac:spMkLst>
-            <pc:docMk/>
-            <pc:sldMk cId="529279411" sldId="289"/>
-            <ac:spMk id="3" creationId="{1CCAB8E5-920E-8074-725E-C2CFC54F7183}"/>
-          </ac:spMkLst>
-        </pc:spChg>
-        <pc:spChg chg="add del mod">
-          <ac:chgData name="Benjamin Banwart" userId="1116b3b0e2dc197b" providerId="LiveId" clId="{C78988A0-FFD9-F246-B364-AB58F1186943}" dt="2024-08-14T14:47:02.220" v="271" actId="478"/>
-          <ac:spMkLst>
-            <pc:docMk/>
-            <pc:sldMk cId="529279411" sldId="289"/>
-            <ac:spMk id="5" creationId="{D5976C94-DA9C-BB69-F248-DC2AEBCBCD8B}"/>
-          </ac:spMkLst>
-        </pc:spChg>
-        <pc:spChg chg="add del mod">
-          <ac:chgData name="Benjamin Banwart" userId="1116b3b0e2dc197b" providerId="LiveId" clId="{C78988A0-FFD9-F246-B364-AB58F1186943}" dt="2024-08-14T14:47:08.936" v="273" actId="478"/>
-          <ac:spMkLst>
-            <pc:docMk/>
-            <pc:sldMk cId="529279411" sldId="289"/>
-            <ac:spMk id="7" creationId="{A1911E51-A96C-A70C-1972-16FE1388C400}"/>
-          </ac:spMkLst>
-        </pc:spChg>
-        <pc:spChg chg="add del mod">
-          <ac:chgData name="Benjamin Banwart" userId="1116b3b0e2dc197b" providerId="LiveId" clId="{C78988A0-FFD9-F246-B364-AB58F1186943}" dt="2024-08-14T14:47:12.227" v="275" actId="478"/>
-          <ac:spMkLst>
-            <pc:docMk/>
-            <pc:sldMk cId="529279411" sldId="289"/>
-            <ac:spMk id="9" creationId="{A7E43196-5519-ACEC-43FB-ECCC9A75AFEF}"/>
-          </ac:spMkLst>
-        </pc:spChg>
-        <pc:spChg chg="mod">
-          <ac:chgData name="Benjamin Banwart" userId="1116b3b0e2dc197b" providerId="LiveId" clId="{C78988A0-FFD9-F246-B364-AB58F1186943}" dt="2024-08-14T14:48:33.721" v="346" actId="20577"/>
-          <ac:spMkLst>
-            <pc:docMk/>
-            <pc:sldMk cId="529279411" sldId="289"/>
-            <ac:spMk id="25" creationId="{B993E4D5-4AD0-4740-096D-6822944C8FF6}"/>
-          </ac:spMkLst>
-        </pc:spChg>
-        <pc:picChg chg="del">
-          <ac:chgData name="Benjamin Banwart" userId="1116b3b0e2dc197b" providerId="LiveId" clId="{C78988A0-FFD9-F246-B364-AB58F1186943}" dt="2024-08-14T14:46:51.170" v="268" actId="478"/>
-          <ac:picMkLst>
-            <pc:docMk/>
-            <pc:sldMk cId="529279411" sldId="289"/>
-            <ac:picMk id="14" creationId="{496155F4-61B2-441D-9F16-788866450DA2}"/>
-          </ac:picMkLst>
-        </pc:picChg>
-        <pc:picChg chg="del">
-          <ac:chgData name="Benjamin Banwart" userId="1116b3b0e2dc197b" providerId="LiveId" clId="{C78988A0-FFD9-F246-B364-AB58F1186943}" dt="2024-08-14T14:46:52.724" v="269" actId="478"/>
-          <ac:picMkLst>
-            <pc:docMk/>
-            <pc:sldMk cId="529279411" sldId="289"/>
-            <ac:picMk id="16" creationId="{BCD5762E-DD49-42B3-9CA8-46A4AD7193E2}"/>
-          </ac:picMkLst>
-        </pc:picChg>
-        <pc:picChg chg="del">
-          <ac:chgData name="Benjamin Banwart" userId="1116b3b0e2dc197b" providerId="LiveId" clId="{C78988A0-FFD9-F246-B364-AB58F1186943}" dt="2024-08-14T14:47:10.419" v="274" actId="478"/>
-          <ac:picMkLst>
-            <pc:docMk/>
-            <pc:sldMk cId="529279411" sldId="289"/>
-            <ac:picMk id="18" creationId="{1051CD21-1408-4D13-BF0B-0D7013AD2D0C}"/>
-          </ac:picMkLst>
-        </pc:picChg>
-        <pc:picChg chg="del">
-          <ac:chgData name="Benjamin Banwart" userId="1116b3b0e2dc197b" providerId="LiveId" clId="{C78988A0-FFD9-F246-B364-AB58F1186943}" dt="2024-08-14T14:46:54.348" v="270" actId="478"/>
-          <ac:picMkLst>
-            <pc:docMk/>
-            <pc:sldMk cId="529279411" sldId="289"/>
-            <ac:picMk id="28" creationId="{B746A775-E65C-70F6-9DB4-E51F7F2DAECE}"/>
-          </ac:picMkLst>
-        </pc:picChg>
-      </pc:sldChg>
-      <pc:sldChg chg="del">
-        <pc:chgData name="Benjamin Banwart" userId="1116b3b0e2dc197b" providerId="LiveId" clId="{C78988A0-FFD9-F246-B364-AB58F1186943}" dt="2024-08-14T14:40:11.625" v="266" actId="2696"/>
-        <pc:sldMkLst>
-          <pc:docMk/>
-          <pc:sldMk cId="4182148033" sldId="293"/>
-        </pc:sldMkLst>
-      </pc:sldChg>
-      <pc:sldChg chg="del">
-        <pc:chgData name="Benjamin Banwart" userId="1116b3b0e2dc197b" providerId="LiveId" clId="{C78988A0-FFD9-F246-B364-AB58F1186943}" dt="2024-08-14T14:40:03.452" v="262" actId="2696"/>
-        <pc:sldMkLst>
-          <pc:docMk/>
-          <pc:sldMk cId="32955924" sldId="294"/>
-        </pc:sldMkLst>
-      </pc:sldChg>
-      <pc:sldChg chg="modSp mod">
-        <pc:chgData name="Benjamin Banwart" userId="1116b3b0e2dc197b" providerId="LiveId" clId="{C78988A0-FFD9-F246-B364-AB58F1186943}" dt="2024-08-14T13:59:16.284" v="167" actId="20577"/>
-        <pc:sldMkLst>
-          <pc:docMk/>
-          <pc:sldMk cId="1167363094" sldId="298"/>
-        </pc:sldMkLst>
-        <pc:spChg chg="mod">
-          <ac:chgData name="Benjamin Banwart" userId="1116b3b0e2dc197b" providerId="LiveId" clId="{C78988A0-FFD9-F246-B364-AB58F1186943}" dt="2024-08-14T13:59:16.284" v="167" actId="20577"/>
-          <ac:spMkLst>
-            <pc:docMk/>
-            <pc:sldMk cId="1167363094" sldId="298"/>
-            <ac:spMk id="5" creationId="{C961E3BB-2C11-84AB-73F9-2C024E88446B}"/>
-          </ac:spMkLst>
-        </pc:spChg>
-      </pc:sldChg>
-      <pc:sldChg chg="modSp mod">
-        <pc:chgData name="Benjamin Banwart" userId="1116b3b0e2dc197b" providerId="LiveId" clId="{C78988A0-FFD9-F246-B364-AB58F1186943}" dt="2024-08-15T15:48:43.253" v="387" actId="1076"/>
-        <pc:sldMkLst>
-          <pc:docMk/>
-          <pc:sldMk cId="3538405760" sldId="300"/>
-        </pc:sldMkLst>
-        <pc:spChg chg="mod">
-          <ac:chgData name="Benjamin Banwart" userId="1116b3b0e2dc197b" providerId="LiveId" clId="{C78988A0-FFD9-F246-B364-AB58F1186943}" dt="2024-08-14T15:04:39.749" v="365" actId="14100"/>
-          <ac:spMkLst>
-            <pc:docMk/>
-            <pc:sldMk cId="3538405760" sldId="300"/>
-            <ac:spMk id="9" creationId="{75CA7823-0E94-D56D-ED74-F16ACAE6C30A}"/>
-          </ac:spMkLst>
-        </pc:spChg>
-        <pc:spChg chg="mod">
-          <ac:chgData name="Benjamin Banwart" userId="1116b3b0e2dc197b" providerId="LiveId" clId="{C78988A0-FFD9-F246-B364-AB58F1186943}" dt="2024-08-15T15:48:43.253" v="387" actId="1076"/>
-          <ac:spMkLst>
-            <pc:docMk/>
-            <pc:sldMk cId="3538405760" sldId="300"/>
-            <ac:spMk id="11" creationId="{20D91FFC-C2BB-6F78-2890-8333B37C0D5B}"/>
-          </ac:spMkLst>
-        </pc:spChg>
-        <pc:spChg chg="mod">
-          <ac:chgData name="Benjamin Banwart" userId="1116b3b0e2dc197b" providerId="LiveId" clId="{C78988A0-FFD9-F246-B364-AB58F1186943}" dt="2024-08-14T15:04:33.299" v="364" actId="1076"/>
-          <ac:spMkLst>
-            <pc:docMk/>
-            <pc:sldMk cId="3538405760" sldId="300"/>
-            <ac:spMk id="12" creationId="{DE745923-3F81-A616-4C03-897BDDC4C9B0}"/>
-          </ac:spMkLst>
-        </pc:spChg>
-        <pc:spChg chg="mod">
-          <ac:chgData name="Benjamin Banwart" userId="1116b3b0e2dc197b" providerId="LiveId" clId="{C78988A0-FFD9-F246-B364-AB58F1186943}" dt="2024-08-14T15:04:52.627" v="368" actId="14100"/>
-          <ac:spMkLst>
-            <pc:docMk/>
-            <pc:sldMk cId="3538405760" sldId="300"/>
-            <ac:spMk id="22" creationId="{75A48AE1-DE95-B2AD-C334-B1CF9F22FA51}"/>
-          </ac:spMkLst>
-        </pc:spChg>
-        <pc:spChg chg="mod">
-          <ac:chgData name="Benjamin Banwart" userId="1116b3b0e2dc197b" providerId="LiveId" clId="{C78988A0-FFD9-F246-B364-AB58F1186943}" dt="2024-08-14T15:05:38.579" v="373" actId="14100"/>
-          <ac:spMkLst>
-            <pc:docMk/>
-            <pc:sldMk cId="3538405760" sldId="300"/>
-            <ac:spMk id="23" creationId="{19272D9C-8F2E-2BAF-11DD-664A2728CF26}"/>
-          </ac:spMkLst>
-        </pc:spChg>
-        <pc:spChg chg="mod">
-          <ac:chgData name="Benjamin Banwart" userId="1116b3b0e2dc197b" providerId="LiveId" clId="{C78988A0-FFD9-F246-B364-AB58F1186943}" dt="2024-08-14T15:05:04.681" v="369" actId="1076"/>
-          <ac:spMkLst>
-            <pc:docMk/>
-            <pc:sldMk cId="3538405760" sldId="300"/>
-            <ac:spMk id="29" creationId="{0A95E7F4-5D05-CD82-FFE8-74343CA09598}"/>
-          </ac:spMkLst>
-        </pc:spChg>
-        <pc:spChg chg="mod">
-          <ac:chgData name="Benjamin Banwart" userId="1116b3b0e2dc197b" providerId="LiveId" clId="{C78988A0-FFD9-F246-B364-AB58F1186943}" dt="2024-08-14T15:05:47.611" v="374" actId="1076"/>
-          <ac:spMkLst>
-            <pc:docMk/>
-            <pc:sldMk cId="3538405760" sldId="300"/>
-            <ac:spMk id="30" creationId="{DB0BB828-3822-83A7-64BD-1C58F3757B0E}"/>
-          </ac:spMkLst>
-        </pc:spChg>
-        <pc:picChg chg="mod">
-          <ac:chgData name="Benjamin Banwart" userId="1116b3b0e2dc197b" providerId="LiveId" clId="{C78988A0-FFD9-F246-B364-AB58F1186943}" dt="2024-08-14T15:04:42.832" v="366" actId="1076"/>
-          <ac:picMkLst>
-            <pc:docMk/>
-            <pc:sldMk cId="3538405760" sldId="300"/>
-            <ac:picMk id="19" creationId="{9233CDCA-80E5-2095-98A7-DD7C52BA9296}"/>
-          </ac:picMkLst>
-        </pc:picChg>
-        <pc:picChg chg="mod">
-          <ac:chgData name="Benjamin Banwart" userId="1116b3b0e2dc197b" providerId="LiveId" clId="{C78988A0-FFD9-F246-B364-AB58F1186943}" dt="2024-08-14T15:07:41.015" v="376" actId="1076"/>
-          <ac:picMkLst>
-            <pc:docMk/>
-            <pc:sldMk cId="3538405760" sldId="300"/>
-            <ac:picMk id="24" creationId="{DD30A6FA-775C-10B9-B9D1-936544B0878C}"/>
-          </ac:picMkLst>
-        </pc:picChg>
-        <pc:picChg chg="mod">
-          <ac:chgData name="Benjamin Banwart" userId="1116b3b0e2dc197b" providerId="LiveId" clId="{C78988A0-FFD9-F246-B364-AB58F1186943}" dt="2024-08-14T15:05:54.162" v="375" actId="1076"/>
-          <ac:picMkLst>
-            <pc:docMk/>
-            <pc:sldMk cId="3538405760" sldId="300"/>
-            <ac:picMk id="31" creationId="{EFAC4D8A-D534-A1A1-9B73-2653D976F840}"/>
-          </ac:picMkLst>
-        </pc:picChg>
-      </pc:sldChg>
-      <pc:sldChg chg="modSp mod">
-        <pc:chgData name="Benjamin Banwart" userId="1116b3b0e2dc197b" providerId="LiveId" clId="{C78988A0-FFD9-F246-B364-AB58F1186943}" dt="2024-08-15T17:09:56.754" v="445" actId="20577"/>
-        <pc:sldMkLst>
-          <pc:docMk/>
-          <pc:sldMk cId="3246722119" sldId="301"/>
-        </pc:sldMkLst>
-        <pc:spChg chg="mod">
-          <ac:chgData name="Benjamin Banwart" userId="1116b3b0e2dc197b" providerId="LiveId" clId="{C78988A0-FFD9-F246-B364-AB58F1186943}" dt="2024-08-15T17:09:56.754" v="445" actId="20577"/>
-          <ac:spMkLst>
-            <pc:docMk/>
-            <pc:sldMk cId="3246722119" sldId="301"/>
-            <ac:spMk id="7" creationId="{5FD6F6AF-8447-AF39-35DA-C522857BE858}"/>
-          </ac:spMkLst>
-        </pc:spChg>
-      </pc:sldChg>
-      <pc:sldChg chg="modSp mod">
-        <pc:chgData name="Benjamin Banwart" userId="1116b3b0e2dc197b" providerId="LiveId" clId="{C78988A0-FFD9-F246-B364-AB58F1186943}" dt="2024-08-14T15:02:57.476" v="354" actId="20577"/>
-        <pc:sldMkLst>
-          <pc:docMk/>
-          <pc:sldMk cId="1387574504" sldId="302"/>
-        </pc:sldMkLst>
-        <pc:spChg chg="mod">
-          <ac:chgData name="Benjamin Banwart" userId="1116b3b0e2dc197b" providerId="LiveId" clId="{C78988A0-FFD9-F246-B364-AB58F1186943}" dt="2024-08-14T15:02:57.476" v="354" actId="20577"/>
-          <ac:spMkLst>
-            <pc:docMk/>
-            <pc:sldMk cId="1387574504" sldId="302"/>
-            <ac:spMk id="7" creationId="{5FD6F6AF-8447-AF39-35DA-C522857BE858}"/>
-          </ac:spMkLst>
-        </pc:spChg>
-      </pc:sldChg>
-      <pc:sldChg chg="modSp mod">
-        <pc:chgData name="Benjamin Banwart" userId="1116b3b0e2dc197b" providerId="LiveId" clId="{C78988A0-FFD9-F246-B364-AB58F1186943}" dt="2024-08-15T17:25:49.612" v="478" actId="1076"/>
-        <pc:sldMkLst>
-          <pc:docMk/>
-          <pc:sldMk cId="2752338871" sldId="304"/>
-        </pc:sldMkLst>
-        <pc:spChg chg="mod">
-          <ac:chgData name="Benjamin Banwart" userId="1116b3b0e2dc197b" providerId="LiveId" clId="{C78988A0-FFD9-F246-B364-AB58F1186943}" dt="2024-08-15T17:25:49.612" v="478" actId="1076"/>
-          <ac:spMkLst>
-            <pc:docMk/>
-            <pc:sldMk cId="2752338871" sldId="304"/>
-            <ac:spMk id="7" creationId="{5FD6F6AF-8447-AF39-35DA-C522857BE858}"/>
-          </ac:spMkLst>
-        </pc:spChg>
-      </pc:sldChg>
-      <pc:sldChg chg="addSp delSp modSp add mod">
-        <pc:chgData name="Benjamin Banwart" userId="1116b3b0e2dc197b" providerId="LiveId" clId="{C78988A0-FFD9-F246-B364-AB58F1186943}" dt="2024-08-15T17:24:21.210" v="474" actId="1076"/>
-        <pc:sldMkLst>
-          <pc:docMk/>
-          <pc:sldMk cId="1788803556" sldId="305"/>
-        </pc:sldMkLst>
-        <pc:spChg chg="add mod">
-          <ac:chgData name="Benjamin Banwart" userId="1116b3b0e2dc197b" providerId="LiveId" clId="{C78988A0-FFD9-F246-B364-AB58F1186943}" dt="2024-08-15T16:53:32.781" v="415" actId="1076"/>
-          <ac:spMkLst>
-            <pc:docMk/>
-            <pc:sldMk cId="1788803556" sldId="305"/>
-            <ac:spMk id="5" creationId="{AB3AB5D5-D0CD-6577-C177-FBBD6DAFFDC9}"/>
-          </ac:spMkLst>
-        </pc:spChg>
-        <pc:spChg chg="mod">
-          <ac:chgData name="Benjamin Banwart" userId="1116b3b0e2dc197b" providerId="LiveId" clId="{C78988A0-FFD9-F246-B364-AB58F1186943}" dt="2024-08-15T17:24:21.210" v="474" actId="1076"/>
-          <ac:spMkLst>
-            <pc:docMk/>
-            <pc:sldMk cId="1788803556" sldId="305"/>
-            <ac:spMk id="7" creationId="{5FD6F6AF-8447-AF39-35DA-C522857BE858}"/>
-          </ac:spMkLst>
-        </pc:spChg>
-        <pc:picChg chg="del mod modVis">
-          <ac:chgData name="Benjamin Banwart" userId="1116b3b0e2dc197b" providerId="LiveId" clId="{C78988A0-FFD9-F246-B364-AB58F1186943}" dt="2024-08-13T17:33:04.652" v="11" actId="478"/>
-          <ac:picMkLst>
-            <pc:docMk/>
-            <pc:sldMk cId="1788803556" sldId="305"/>
-            <ac:picMk id="3" creationId="{018FD1A2-BA5B-DCCA-6FE4-36C8847D008F}"/>
-          </ac:picMkLst>
-        </pc:picChg>
-        <pc:picChg chg="add mod">
-          <ac:chgData name="Benjamin Banwart" userId="1116b3b0e2dc197b" providerId="LiveId" clId="{C78988A0-FFD9-F246-B364-AB58F1186943}" dt="2024-08-13T17:31:10.042" v="7" actId="1076"/>
-          <ac:picMkLst>
-            <pc:docMk/>
-            <pc:sldMk cId="1788803556" sldId="305"/>
-            <ac:picMk id="4" creationId="{6D20EC13-4147-D088-497A-F044C13D0039}"/>
-          </ac:picMkLst>
-        </pc:picChg>
-      </pc:sldChg>
-      <pc:sldChg chg="modSp add del mod ord">
-        <pc:chgData name="Benjamin Banwart" userId="1116b3b0e2dc197b" providerId="LiveId" clId="{C78988A0-FFD9-F246-B364-AB58F1186943}" dt="2024-08-14T15:16:39.400" v="386" actId="2696"/>
-        <pc:sldMkLst>
-          <pc:docMk/>
-          <pc:sldMk cId="3574637538" sldId="306"/>
-        </pc:sldMkLst>
-        <pc:spChg chg="mod">
-          <ac:chgData name="Benjamin Banwart" userId="1116b3b0e2dc197b" providerId="LiveId" clId="{C78988A0-FFD9-F246-B364-AB58F1186943}" dt="2024-08-14T13:56:53.387" v="153" actId="20577"/>
-          <ac:spMkLst>
-            <pc:docMk/>
-            <pc:sldMk cId="3574637538" sldId="306"/>
-            <ac:spMk id="8" creationId="{54A1A690-6A88-A840-DEA7-2F3ED4C6242D}"/>
-          </ac:spMkLst>
-        </pc:spChg>
-      </pc:sldChg>
-      <pc:sldChg chg="addSp delSp modSp new mod">
-        <pc:chgData name="Benjamin Banwart" userId="1116b3b0e2dc197b" providerId="LiveId" clId="{C78988A0-FFD9-F246-B364-AB58F1186943}" dt="2024-08-14T14:38:12.523" v="258" actId="1076"/>
-        <pc:sldMkLst>
-          <pc:docMk/>
-          <pc:sldMk cId="1071499450" sldId="307"/>
-        </pc:sldMkLst>
-        <pc:spChg chg="mod">
-          <ac:chgData name="Benjamin Banwart" userId="1116b3b0e2dc197b" providerId="LiveId" clId="{C78988A0-FFD9-F246-B364-AB58F1186943}" dt="2024-08-14T14:38:05.723" v="256" actId="1076"/>
-          <ac:spMkLst>
-            <pc:docMk/>
-            <pc:sldMk cId="1071499450" sldId="307"/>
-            <ac:spMk id="2" creationId="{2A812FC2-21DE-CDE7-FF0B-50C0A84E100D}"/>
-          </ac:spMkLst>
-        </pc:spChg>
-        <pc:spChg chg="del mod">
-          <ac:chgData name="Benjamin Banwart" userId="1116b3b0e2dc197b" providerId="LiveId" clId="{C78988A0-FFD9-F246-B364-AB58F1186943}" dt="2024-08-14T14:33:10.084" v="170" actId="21"/>
-          <ac:spMkLst>
-            <pc:docMk/>
-            <pc:sldMk cId="1071499450" sldId="307"/>
-            <ac:spMk id="3" creationId="{6557E8D8-1CEC-BEB1-2477-75ADC0E1A688}"/>
-          </ac:spMkLst>
-        </pc:spChg>
-        <pc:spChg chg="mod">
-          <ac:chgData name="Benjamin Banwart" userId="1116b3b0e2dc197b" providerId="LiveId" clId="{C78988A0-FFD9-F246-B364-AB58F1186943}" dt="2024-08-14T14:33:35.995" v="223" actId="20577"/>
-          <ac:spMkLst>
-            <pc:docMk/>
-            <pc:sldMk cId="1071499450" sldId="307"/>
-            <ac:spMk id="4" creationId="{40CE5955-EE7E-A4DF-BC5A-9E68137C0EF2}"/>
-          </ac:spMkLst>
-        </pc:spChg>
-        <pc:spChg chg="add del mod">
-          <ac:chgData name="Benjamin Banwart" userId="1116b3b0e2dc197b" providerId="LiveId" clId="{C78988A0-FFD9-F246-B364-AB58F1186943}" dt="2024-08-14T14:33:38.648" v="225"/>
-          <ac:spMkLst>
-            <pc:docMk/>
-            <pc:sldMk cId="1071499450" sldId="307"/>
-            <ac:spMk id="5" creationId="{F551EA49-EE4F-A1D1-EA71-C4F0CF680D14}"/>
-          </ac:spMkLst>
-        </pc:spChg>
-        <pc:picChg chg="add mod">
-          <ac:chgData name="Benjamin Banwart" userId="1116b3b0e2dc197b" providerId="LiveId" clId="{C78988A0-FFD9-F246-B364-AB58F1186943}" dt="2024-08-14T14:38:12.523" v="258" actId="1076"/>
-          <ac:picMkLst>
-            <pc:docMk/>
-            <pc:sldMk cId="1071499450" sldId="307"/>
-            <ac:picMk id="6" creationId="{9069F1DF-A014-F310-3644-AD31B61B31FE}"/>
-          </ac:picMkLst>
-        </pc:picChg>
-      </pc:sldChg>
-      <pc:sldChg chg="delSp modSp add mod">
-        <pc:chgData name="Benjamin Banwart" userId="1116b3b0e2dc197b" providerId="LiveId" clId="{C78988A0-FFD9-F246-B364-AB58F1186943}" dt="2024-08-14T14:48:11.990" v="318" actId="1076"/>
-        <pc:sldMkLst>
-          <pc:docMk/>
-          <pc:sldMk cId="2093318568" sldId="308"/>
-        </pc:sldMkLst>
-        <pc:spChg chg="mod">
-          <ac:chgData name="Benjamin Banwart" userId="1116b3b0e2dc197b" providerId="LiveId" clId="{C78988A0-FFD9-F246-B364-AB58F1186943}" dt="2024-08-14T14:48:11.990" v="318" actId="1076"/>
-          <ac:spMkLst>
-            <pc:docMk/>
-            <pc:sldMk cId="2093318568" sldId="308"/>
-            <ac:spMk id="2" creationId="{2A812FC2-21DE-CDE7-FF0B-50C0A84E100D}"/>
-          </ac:spMkLst>
-        </pc:spChg>
-        <pc:picChg chg="del">
-          <ac:chgData name="Benjamin Banwart" userId="1116b3b0e2dc197b" providerId="LiveId" clId="{C78988A0-FFD9-F246-B364-AB58F1186943}" dt="2024-08-14T14:47:44.969" v="277" actId="478"/>
-          <ac:picMkLst>
-            <pc:docMk/>
-            <pc:sldMk cId="2093318568" sldId="308"/>
-            <ac:picMk id="6" creationId="{9069F1DF-A014-F310-3644-AD31B61B31FE}"/>
-          </ac:picMkLst>
-        </pc:picChg>
-      </pc:sldChg>
-      <pc:sldChg chg="modSp add mod">
-        <pc:chgData name="Benjamin Banwart" userId="1116b3b0e2dc197b" providerId="LiveId" clId="{C78988A0-FFD9-F246-B364-AB58F1186943}" dt="2024-08-15T15:48:58.046" v="388" actId="1076"/>
-        <pc:sldMkLst>
-          <pc:docMk/>
-          <pc:sldMk cId="3409109427" sldId="309"/>
-        </pc:sldMkLst>
-        <pc:spChg chg="mod">
-          <ac:chgData name="Benjamin Banwart" userId="1116b3b0e2dc197b" providerId="LiveId" clId="{C78988A0-FFD9-F246-B364-AB58F1186943}" dt="2024-08-14T15:16:31.448" v="385" actId="20577"/>
-          <ac:spMkLst>
-            <pc:docMk/>
-            <pc:sldMk cId="3409109427" sldId="309"/>
-            <ac:spMk id="8" creationId="{54A1A690-6A88-A840-DEA7-2F3ED4C6242D}"/>
-          </ac:spMkLst>
-        </pc:spChg>
-        <pc:spChg chg="mod">
-          <ac:chgData name="Benjamin Banwart" userId="1116b3b0e2dc197b" providerId="LiveId" clId="{C78988A0-FFD9-F246-B364-AB58F1186943}" dt="2024-08-15T15:48:58.046" v="388" actId="1076"/>
-          <ac:spMkLst>
-            <pc:docMk/>
-            <pc:sldMk cId="3409109427" sldId="309"/>
-            <ac:spMk id="11" creationId="{20D91FFC-C2BB-6F78-2890-8333B37C0D5B}"/>
-          </ac:spMkLst>
-        </pc:spChg>
-      </pc:sldChg>
-    </pc:docChg>
-  </pc:docChgLst>
   <pc:docChgLst>
     <pc:chgData name="Benjamin Banwart" userId="1116b3b0e2dc197b" providerId="LiveId" clId="{01826761-158E-4AD1-BD53-5E3FC0E8347E}"/>
     <pc:docChg chg="undo redo custSel addSld delSld modSld sldOrd">
@@ -1594,6 +1142,458 @@
       </pc:sldChg>
     </pc:docChg>
   </pc:docChgLst>
+  <pc:docChgLst>
+    <pc:chgData name="Benjamin Banwart" userId="1116b3b0e2dc197b" providerId="LiveId" clId="{C78988A0-FFD9-F246-B364-AB58F1186943}"/>
+    <pc:docChg chg="undo redo custSel addSld delSld modSld sldOrd">
+      <pc:chgData name="Benjamin Banwart" userId="1116b3b0e2dc197b" providerId="LiveId" clId="{C78988A0-FFD9-F246-B364-AB58F1186943}" dt="2024-08-15T17:25:49.612" v="478" actId="1076"/>
+      <pc:docMkLst>
+        <pc:docMk/>
+      </pc:docMkLst>
+      <pc:sldChg chg="del">
+        <pc:chgData name="Benjamin Banwart" userId="1116b3b0e2dc197b" providerId="LiveId" clId="{C78988A0-FFD9-F246-B364-AB58F1186943}" dt="2024-08-14T14:36:08.620" v="240" actId="2696"/>
+        <pc:sldMkLst>
+          <pc:docMk/>
+          <pc:sldMk cId="2775535166" sldId="275"/>
+        </pc:sldMkLst>
+      </pc:sldChg>
+      <pc:sldChg chg="del">
+        <pc:chgData name="Benjamin Banwart" userId="1116b3b0e2dc197b" providerId="LiveId" clId="{C78988A0-FFD9-F246-B364-AB58F1186943}" dt="2024-08-14T14:39:58.030" v="259" actId="2696"/>
+        <pc:sldMkLst>
+          <pc:docMk/>
+          <pc:sldMk cId="77554804" sldId="276"/>
+        </pc:sldMkLst>
+      </pc:sldChg>
+      <pc:sldChg chg="del">
+        <pc:chgData name="Benjamin Banwart" userId="1116b3b0e2dc197b" providerId="LiveId" clId="{C78988A0-FFD9-F246-B364-AB58F1186943}" dt="2024-08-14T14:39:58.838" v="260" actId="2696"/>
+        <pc:sldMkLst>
+          <pc:docMk/>
+          <pc:sldMk cId="1640288181" sldId="278"/>
+        </pc:sldMkLst>
+      </pc:sldChg>
+      <pc:sldChg chg="del">
+        <pc:chgData name="Benjamin Banwart" userId="1116b3b0e2dc197b" providerId="LiveId" clId="{C78988A0-FFD9-F246-B364-AB58F1186943}" dt="2024-08-14T14:39:59.534" v="261" actId="2696"/>
+        <pc:sldMkLst>
+          <pc:docMk/>
+          <pc:sldMk cId="1246021298" sldId="279"/>
+        </pc:sldMkLst>
+      </pc:sldChg>
+      <pc:sldChg chg="del">
+        <pc:chgData name="Benjamin Banwart" userId="1116b3b0e2dc197b" providerId="LiveId" clId="{C78988A0-FFD9-F246-B364-AB58F1186943}" dt="2024-08-14T14:40:06.101" v="263" actId="2696"/>
+        <pc:sldMkLst>
+          <pc:docMk/>
+          <pc:sldMk cId="2107888131" sldId="281"/>
+        </pc:sldMkLst>
+      </pc:sldChg>
+      <pc:sldChg chg="del">
+        <pc:chgData name="Benjamin Banwart" userId="1116b3b0e2dc197b" providerId="LiveId" clId="{C78988A0-FFD9-F246-B364-AB58F1186943}" dt="2024-08-14T14:40:06.975" v="264" actId="2696"/>
+        <pc:sldMkLst>
+          <pc:docMk/>
+          <pc:sldMk cId="2624021206" sldId="284"/>
+        </pc:sldMkLst>
+      </pc:sldChg>
+      <pc:sldChg chg="del">
+        <pc:chgData name="Benjamin Banwart" userId="1116b3b0e2dc197b" providerId="LiveId" clId="{C78988A0-FFD9-F246-B364-AB58F1186943}" dt="2024-08-14T14:40:08.510" v="265" actId="2696"/>
+        <pc:sldMkLst>
+          <pc:docMk/>
+          <pc:sldMk cId="3760906987" sldId="285"/>
+        </pc:sldMkLst>
+      </pc:sldChg>
+      <pc:sldChg chg="del">
+        <pc:chgData name="Benjamin Banwart" userId="1116b3b0e2dc197b" providerId="LiveId" clId="{C78988A0-FFD9-F246-B364-AB58F1186943}" dt="2024-08-14T14:40:15.028" v="267" actId="2696"/>
+        <pc:sldMkLst>
+          <pc:docMk/>
+          <pc:sldMk cId="4157533387" sldId="288"/>
+        </pc:sldMkLst>
+      </pc:sldChg>
+      <pc:sldChg chg="addSp delSp modSp mod">
+        <pc:chgData name="Benjamin Banwart" userId="1116b3b0e2dc197b" providerId="LiveId" clId="{C78988A0-FFD9-F246-B364-AB58F1186943}" dt="2024-08-14T14:48:33.721" v="346" actId="20577"/>
+        <pc:sldMkLst>
+          <pc:docMk/>
+          <pc:sldMk cId="529279411" sldId="289"/>
+        </pc:sldMkLst>
+        <pc:spChg chg="add del mod">
+          <ac:chgData name="Benjamin Banwart" userId="1116b3b0e2dc197b" providerId="LiveId" clId="{C78988A0-FFD9-F246-B364-AB58F1186943}" dt="2024-08-14T14:47:07.411" v="272" actId="478"/>
+          <ac:spMkLst>
+            <pc:docMk/>
+            <pc:sldMk cId="529279411" sldId="289"/>
+            <ac:spMk id="3" creationId="{1CCAB8E5-920E-8074-725E-C2CFC54F7183}"/>
+          </ac:spMkLst>
+        </pc:spChg>
+        <pc:spChg chg="add del mod">
+          <ac:chgData name="Benjamin Banwart" userId="1116b3b0e2dc197b" providerId="LiveId" clId="{C78988A0-FFD9-F246-B364-AB58F1186943}" dt="2024-08-14T14:47:02.220" v="271" actId="478"/>
+          <ac:spMkLst>
+            <pc:docMk/>
+            <pc:sldMk cId="529279411" sldId="289"/>
+            <ac:spMk id="5" creationId="{D5976C94-DA9C-BB69-F248-DC2AEBCBCD8B}"/>
+          </ac:spMkLst>
+        </pc:spChg>
+        <pc:spChg chg="add del mod">
+          <ac:chgData name="Benjamin Banwart" userId="1116b3b0e2dc197b" providerId="LiveId" clId="{C78988A0-FFD9-F246-B364-AB58F1186943}" dt="2024-08-14T14:47:08.936" v="273" actId="478"/>
+          <ac:spMkLst>
+            <pc:docMk/>
+            <pc:sldMk cId="529279411" sldId="289"/>
+            <ac:spMk id="7" creationId="{A1911E51-A96C-A70C-1972-16FE1388C400}"/>
+          </ac:spMkLst>
+        </pc:spChg>
+        <pc:spChg chg="add del mod">
+          <ac:chgData name="Benjamin Banwart" userId="1116b3b0e2dc197b" providerId="LiveId" clId="{C78988A0-FFD9-F246-B364-AB58F1186943}" dt="2024-08-14T14:47:12.227" v="275" actId="478"/>
+          <ac:spMkLst>
+            <pc:docMk/>
+            <pc:sldMk cId="529279411" sldId="289"/>
+            <ac:spMk id="9" creationId="{A7E43196-5519-ACEC-43FB-ECCC9A75AFEF}"/>
+          </ac:spMkLst>
+        </pc:spChg>
+        <pc:spChg chg="mod">
+          <ac:chgData name="Benjamin Banwart" userId="1116b3b0e2dc197b" providerId="LiveId" clId="{C78988A0-FFD9-F246-B364-AB58F1186943}" dt="2024-08-14T14:48:33.721" v="346" actId="20577"/>
+          <ac:spMkLst>
+            <pc:docMk/>
+            <pc:sldMk cId="529279411" sldId="289"/>
+            <ac:spMk id="25" creationId="{B993E4D5-4AD0-4740-096D-6822944C8FF6}"/>
+          </ac:spMkLst>
+        </pc:spChg>
+        <pc:picChg chg="del">
+          <ac:chgData name="Benjamin Banwart" userId="1116b3b0e2dc197b" providerId="LiveId" clId="{C78988A0-FFD9-F246-B364-AB58F1186943}" dt="2024-08-14T14:46:51.170" v="268" actId="478"/>
+          <ac:picMkLst>
+            <pc:docMk/>
+            <pc:sldMk cId="529279411" sldId="289"/>
+            <ac:picMk id="14" creationId="{496155F4-61B2-441D-9F16-788866450DA2}"/>
+          </ac:picMkLst>
+        </pc:picChg>
+        <pc:picChg chg="del">
+          <ac:chgData name="Benjamin Banwart" userId="1116b3b0e2dc197b" providerId="LiveId" clId="{C78988A0-FFD9-F246-B364-AB58F1186943}" dt="2024-08-14T14:46:52.724" v="269" actId="478"/>
+          <ac:picMkLst>
+            <pc:docMk/>
+            <pc:sldMk cId="529279411" sldId="289"/>
+            <ac:picMk id="16" creationId="{BCD5762E-DD49-42B3-9CA8-46A4AD7193E2}"/>
+          </ac:picMkLst>
+        </pc:picChg>
+        <pc:picChg chg="del">
+          <ac:chgData name="Benjamin Banwart" userId="1116b3b0e2dc197b" providerId="LiveId" clId="{C78988A0-FFD9-F246-B364-AB58F1186943}" dt="2024-08-14T14:47:10.419" v="274" actId="478"/>
+          <ac:picMkLst>
+            <pc:docMk/>
+            <pc:sldMk cId="529279411" sldId="289"/>
+            <ac:picMk id="18" creationId="{1051CD21-1408-4D13-BF0B-0D7013AD2D0C}"/>
+          </ac:picMkLst>
+        </pc:picChg>
+        <pc:picChg chg="del">
+          <ac:chgData name="Benjamin Banwart" userId="1116b3b0e2dc197b" providerId="LiveId" clId="{C78988A0-FFD9-F246-B364-AB58F1186943}" dt="2024-08-14T14:46:54.348" v="270" actId="478"/>
+          <ac:picMkLst>
+            <pc:docMk/>
+            <pc:sldMk cId="529279411" sldId="289"/>
+            <ac:picMk id="28" creationId="{B746A775-E65C-70F6-9DB4-E51F7F2DAECE}"/>
+          </ac:picMkLst>
+        </pc:picChg>
+      </pc:sldChg>
+      <pc:sldChg chg="del">
+        <pc:chgData name="Benjamin Banwart" userId="1116b3b0e2dc197b" providerId="LiveId" clId="{C78988A0-FFD9-F246-B364-AB58F1186943}" dt="2024-08-14T14:40:11.625" v="266" actId="2696"/>
+        <pc:sldMkLst>
+          <pc:docMk/>
+          <pc:sldMk cId="4182148033" sldId="293"/>
+        </pc:sldMkLst>
+      </pc:sldChg>
+      <pc:sldChg chg="del">
+        <pc:chgData name="Benjamin Banwart" userId="1116b3b0e2dc197b" providerId="LiveId" clId="{C78988A0-FFD9-F246-B364-AB58F1186943}" dt="2024-08-14T14:40:03.452" v="262" actId="2696"/>
+        <pc:sldMkLst>
+          <pc:docMk/>
+          <pc:sldMk cId="32955924" sldId="294"/>
+        </pc:sldMkLst>
+      </pc:sldChg>
+      <pc:sldChg chg="modSp mod">
+        <pc:chgData name="Benjamin Banwart" userId="1116b3b0e2dc197b" providerId="LiveId" clId="{C78988A0-FFD9-F246-B364-AB58F1186943}" dt="2024-08-14T13:59:16.284" v="167" actId="20577"/>
+        <pc:sldMkLst>
+          <pc:docMk/>
+          <pc:sldMk cId="1167363094" sldId="298"/>
+        </pc:sldMkLst>
+        <pc:spChg chg="mod">
+          <ac:chgData name="Benjamin Banwart" userId="1116b3b0e2dc197b" providerId="LiveId" clId="{C78988A0-FFD9-F246-B364-AB58F1186943}" dt="2024-08-14T13:59:16.284" v="167" actId="20577"/>
+          <ac:spMkLst>
+            <pc:docMk/>
+            <pc:sldMk cId="1167363094" sldId="298"/>
+            <ac:spMk id="5" creationId="{C961E3BB-2C11-84AB-73F9-2C024E88446B}"/>
+          </ac:spMkLst>
+        </pc:spChg>
+      </pc:sldChg>
+      <pc:sldChg chg="modSp mod">
+        <pc:chgData name="Benjamin Banwart" userId="1116b3b0e2dc197b" providerId="LiveId" clId="{C78988A0-FFD9-F246-B364-AB58F1186943}" dt="2024-08-15T15:48:43.253" v="387" actId="1076"/>
+        <pc:sldMkLst>
+          <pc:docMk/>
+          <pc:sldMk cId="3538405760" sldId="300"/>
+        </pc:sldMkLst>
+        <pc:spChg chg="mod">
+          <ac:chgData name="Benjamin Banwart" userId="1116b3b0e2dc197b" providerId="LiveId" clId="{C78988A0-FFD9-F246-B364-AB58F1186943}" dt="2024-08-14T15:04:39.749" v="365" actId="14100"/>
+          <ac:spMkLst>
+            <pc:docMk/>
+            <pc:sldMk cId="3538405760" sldId="300"/>
+            <ac:spMk id="9" creationId="{75CA7823-0E94-D56D-ED74-F16ACAE6C30A}"/>
+          </ac:spMkLst>
+        </pc:spChg>
+        <pc:spChg chg="mod">
+          <ac:chgData name="Benjamin Banwart" userId="1116b3b0e2dc197b" providerId="LiveId" clId="{C78988A0-FFD9-F246-B364-AB58F1186943}" dt="2024-08-15T15:48:43.253" v="387" actId="1076"/>
+          <ac:spMkLst>
+            <pc:docMk/>
+            <pc:sldMk cId="3538405760" sldId="300"/>
+            <ac:spMk id="11" creationId="{20D91FFC-C2BB-6F78-2890-8333B37C0D5B}"/>
+          </ac:spMkLst>
+        </pc:spChg>
+        <pc:spChg chg="mod">
+          <ac:chgData name="Benjamin Banwart" userId="1116b3b0e2dc197b" providerId="LiveId" clId="{C78988A0-FFD9-F246-B364-AB58F1186943}" dt="2024-08-14T15:04:33.299" v="364" actId="1076"/>
+          <ac:spMkLst>
+            <pc:docMk/>
+            <pc:sldMk cId="3538405760" sldId="300"/>
+            <ac:spMk id="12" creationId="{DE745923-3F81-A616-4C03-897BDDC4C9B0}"/>
+          </ac:spMkLst>
+        </pc:spChg>
+        <pc:spChg chg="mod">
+          <ac:chgData name="Benjamin Banwart" userId="1116b3b0e2dc197b" providerId="LiveId" clId="{C78988A0-FFD9-F246-B364-AB58F1186943}" dt="2024-08-14T15:04:52.627" v="368" actId="14100"/>
+          <ac:spMkLst>
+            <pc:docMk/>
+            <pc:sldMk cId="3538405760" sldId="300"/>
+            <ac:spMk id="22" creationId="{75A48AE1-DE95-B2AD-C334-B1CF9F22FA51}"/>
+          </ac:spMkLst>
+        </pc:spChg>
+        <pc:spChg chg="mod">
+          <ac:chgData name="Benjamin Banwart" userId="1116b3b0e2dc197b" providerId="LiveId" clId="{C78988A0-FFD9-F246-B364-AB58F1186943}" dt="2024-08-14T15:05:38.579" v="373" actId="14100"/>
+          <ac:spMkLst>
+            <pc:docMk/>
+            <pc:sldMk cId="3538405760" sldId="300"/>
+            <ac:spMk id="23" creationId="{19272D9C-8F2E-2BAF-11DD-664A2728CF26}"/>
+          </ac:spMkLst>
+        </pc:spChg>
+        <pc:spChg chg="mod">
+          <ac:chgData name="Benjamin Banwart" userId="1116b3b0e2dc197b" providerId="LiveId" clId="{C78988A0-FFD9-F246-B364-AB58F1186943}" dt="2024-08-14T15:05:04.681" v="369" actId="1076"/>
+          <ac:spMkLst>
+            <pc:docMk/>
+            <pc:sldMk cId="3538405760" sldId="300"/>
+            <ac:spMk id="29" creationId="{0A95E7F4-5D05-CD82-FFE8-74343CA09598}"/>
+          </ac:spMkLst>
+        </pc:spChg>
+        <pc:spChg chg="mod">
+          <ac:chgData name="Benjamin Banwart" userId="1116b3b0e2dc197b" providerId="LiveId" clId="{C78988A0-FFD9-F246-B364-AB58F1186943}" dt="2024-08-14T15:05:47.611" v="374" actId="1076"/>
+          <ac:spMkLst>
+            <pc:docMk/>
+            <pc:sldMk cId="3538405760" sldId="300"/>
+            <ac:spMk id="30" creationId="{DB0BB828-3822-83A7-64BD-1C58F3757B0E}"/>
+          </ac:spMkLst>
+        </pc:spChg>
+        <pc:picChg chg="mod">
+          <ac:chgData name="Benjamin Banwart" userId="1116b3b0e2dc197b" providerId="LiveId" clId="{C78988A0-FFD9-F246-B364-AB58F1186943}" dt="2024-08-14T15:04:42.832" v="366" actId="1076"/>
+          <ac:picMkLst>
+            <pc:docMk/>
+            <pc:sldMk cId="3538405760" sldId="300"/>
+            <ac:picMk id="19" creationId="{9233CDCA-80E5-2095-98A7-DD7C52BA9296}"/>
+          </ac:picMkLst>
+        </pc:picChg>
+        <pc:picChg chg="mod">
+          <ac:chgData name="Benjamin Banwart" userId="1116b3b0e2dc197b" providerId="LiveId" clId="{C78988A0-FFD9-F246-B364-AB58F1186943}" dt="2024-08-14T15:07:41.015" v="376" actId="1076"/>
+          <ac:picMkLst>
+            <pc:docMk/>
+            <pc:sldMk cId="3538405760" sldId="300"/>
+            <ac:picMk id="24" creationId="{DD30A6FA-775C-10B9-B9D1-936544B0878C}"/>
+          </ac:picMkLst>
+        </pc:picChg>
+        <pc:picChg chg="mod">
+          <ac:chgData name="Benjamin Banwart" userId="1116b3b0e2dc197b" providerId="LiveId" clId="{C78988A0-FFD9-F246-B364-AB58F1186943}" dt="2024-08-14T15:05:54.162" v="375" actId="1076"/>
+          <ac:picMkLst>
+            <pc:docMk/>
+            <pc:sldMk cId="3538405760" sldId="300"/>
+            <ac:picMk id="31" creationId="{EFAC4D8A-D534-A1A1-9B73-2653D976F840}"/>
+          </ac:picMkLst>
+        </pc:picChg>
+      </pc:sldChg>
+      <pc:sldChg chg="modSp mod">
+        <pc:chgData name="Benjamin Banwart" userId="1116b3b0e2dc197b" providerId="LiveId" clId="{C78988A0-FFD9-F246-B364-AB58F1186943}" dt="2024-08-15T17:09:56.754" v="445" actId="20577"/>
+        <pc:sldMkLst>
+          <pc:docMk/>
+          <pc:sldMk cId="3246722119" sldId="301"/>
+        </pc:sldMkLst>
+        <pc:spChg chg="mod">
+          <ac:chgData name="Benjamin Banwart" userId="1116b3b0e2dc197b" providerId="LiveId" clId="{C78988A0-FFD9-F246-B364-AB58F1186943}" dt="2024-08-15T17:09:56.754" v="445" actId="20577"/>
+          <ac:spMkLst>
+            <pc:docMk/>
+            <pc:sldMk cId="3246722119" sldId="301"/>
+            <ac:spMk id="7" creationId="{5FD6F6AF-8447-AF39-35DA-C522857BE858}"/>
+          </ac:spMkLst>
+        </pc:spChg>
+      </pc:sldChg>
+      <pc:sldChg chg="modSp mod">
+        <pc:chgData name="Benjamin Banwart" userId="1116b3b0e2dc197b" providerId="LiveId" clId="{C78988A0-FFD9-F246-B364-AB58F1186943}" dt="2024-08-14T15:02:57.476" v="354" actId="20577"/>
+        <pc:sldMkLst>
+          <pc:docMk/>
+          <pc:sldMk cId="1387574504" sldId="302"/>
+        </pc:sldMkLst>
+        <pc:spChg chg="mod">
+          <ac:chgData name="Benjamin Banwart" userId="1116b3b0e2dc197b" providerId="LiveId" clId="{C78988A0-FFD9-F246-B364-AB58F1186943}" dt="2024-08-14T15:02:57.476" v="354" actId="20577"/>
+          <ac:spMkLst>
+            <pc:docMk/>
+            <pc:sldMk cId="1387574504" sldId="302"/>
+            <ac:spMk id="7" creationId="{5FD6F6AF-8447-AF39-35DA-C522857BE858}"/>
+          </ac:spMkLst>
+        </pc:spChg>
+      </pc:sldChg>
+      <pc:sldChg chg="modSp mod">
+        <pc:chgData name="Benjamin Banwart" userId="1116b3b0e2dc197b" providerId="LiveId" clId="{C78988A0-FFD9-F246-B364-AB58F1186943}" dt="2024-08-15T17:25:49.612" v="478" actId="1076"/>
+        <pc:sldMkLst>
+          <pc:docMk/>
+          <pc:sldMk cId="2752338871" sldId="304"/>
+        </pc:sldMkLst>
+        <pc:spChg chg="mod">
+          <ac:chgData name="Benjamin Banwart" userId="1116b3b0e2dc197b" providerId="LiveId" clId="{C78988A0-FFD9-F246-B364-AB58F1186943}" dt="2024-08-15T17:25:49.612" v="478" actId="1076"/>
+          <ac:spMkLst>
+            <pc:docMk/>
+            <pc:sldMk cId="2752338871" sldId="304"/>
+            <ac:spMk id="7" creationId="{5FD6F6AF-8447-AF39-35DA-C522857BE858}"/>
+          </ac:spMkLst>
+        </pc:spChg>
+      </pc:sldChg>
+      <pc:sldChg chg="addSp delSp modSp add mod">
+        <pc:chgData name="Benjamin Banwart" userId="1116b3b0e2dc197b" providerId="LiveId" clId="{C78988A0-FFD9-F246-B364-AB58F1186943}" dt="2024-08-15T17:24:21.210" v="474" actId="1076"/>
+        <pc:sldMkLst>
+          <pc:docMk/>
+          <pc:sldMk cId="1788803556" sldId="305"/>
+        </pc:sldMkLst>
+        <pc:spChg chg="add mod">
+          <ac:chgData name="Benjamin Banwart" userId="1116b3b0e2dc197b" providerId="LiveId" clId="{C78988A0-FFD9-F246-B364-AB58F1186943}" dt="2024-08-15T16:53:32.781" v="415" actId="1076"/>
+          <ac:spMkLst>
+            <pc:docMk/>
+            <pc:sldMk cId="1788803556" sldId="305"/>
+            <ac:spMk id="5" creationId="{AB3AB5D5-D0CD-6577-C177-FBBD6DAFFDC9}"/>
+          </ac:spMkLst>
+        </pc:spChg>
+        <pc:spChg chg="mod">
+          <ac:chgData name="Benjamin Banwart" userId="1116b3b0e2dc197b" providerId="LiveId" clId="{C78988A0-FFD9-F246-B364-AB58F1186943}" dt="2024-08-15T17:24:21.210" v="474" actId="1076"/>
+          <ac:spMkLst>
+            <pc:docMk/>
+            <pc:sldMk cId="1788803556" sldId="305"/>
+            <ac:spMk id="7" creationId="{5FD6F6AF-8447-AF39-35DA-C522857BE858}"/>
+          </ac:spMkLst>
+        </pc:spChg>
+        <pc:picChg chg="del mod modVis">
+          <ac:chgData name="Benjamin Banwart" userId="1116b3b0e2dc197b" providerId="LiveId" clId="{C78988A0-FFD9-F246-B364-AB58F1186943}" dt="2024-08-13T17:33:04.652" v="11" actId="478"/>
+          <ac:picMkLst>
+            <pc:docMk/>
+            <pc:sldMk cId="1788803556" sldId="305"/>
+            <ac:picMk id="3" creationId="{018FD1A2-BA5B-DCCA-6FE4-36C8847D008F}"/>
+          </ac:picMkLst>
+        </pc:picChg>
+        <pc:picChg chg="add mod">
+          <ac:chgData name="Benjamin Banwart" userId="1116b3b0e2dc197b" providerId="LiveId" clId="{C78988A0-FFD9-F246-B364-AB58F1186943}" dt="2024-08-13T17:31:10.042" v="7" actId="1076"/>
+          <ac:picMkLst>
+            <pc:docMk/>
+            <pc:sldMk cId="1788803556" sldId="305"/>
+            <ac:picMk id="4" creationId="{6D20EC13-4147-D088-497A-F044C13D0039}"/>
+          </ac:picMkLst>
+        </pc:picChg>
+      </pc:sldChg>
+      <pc:sldChg chg="modSp add del mod ord">
+        <pc:chgData name="Benjamin Banwart" userId="1116b3b0e2dc197b" providerId="LiveId" clId="{C78988A0-FFD9-F246-B364-AB58F1186943}" dt="2024-08-14T15:16:39.400" v="386" actId="2696"/>
+        <pc:sldMkLst>
+          <pc:docMk/>
+          <pc:sldMk cId="3574637538" sldId="306"/>
+        </pc:sldMkLst>
+        <pc:spChg chg="mod">
+          <ac:chgData name="Benjamin Banwart" userId="1116b3b0e2dc197b" providerId="LiveId" clId="{C78988A0-FFD9-F246-B364-AB58F1186943}" dt="2024-08-14T13:56:53.387" v="153" actId="20577"/>
+          <ac:spMkLst>
+            <pc:docMk/>
+            <pc:sldMk cId="3574637538" sldId="306"/>
+            <ac:spMk id="8" creationId="{54A1A690-6A88-A840-DEA7-2F3ED4C6242D}"/>
+          </ac:spMkLst>
+        </pc:spChg>
+      </pc:sldChg>
+      <pc:sldChg chg="addSp delSp modSp new mod">
+        <pc:chgData name="Benjamin Banwart" userId="1116b3b0e2dc197b" providerId="LiveId" clId="{C78988A0-FFD9-F246-B364-AB58F1186943}" dt="2024-08-14T14:38:12.523" v="258" actId="1076"/>
+        <pc:sldMkLst>
+          <pc:docMk/>
+          <pc:sldMk cId="1071499450" sldId="307"/>
+        </pc:sldMkLst>
+        <pc:spChg chg="mod">
+          <ac:chgData name="Benjamin Banwart" userId="1116b3b0e2dc197b" providerId="LiveId" clId="{C78988A0-FFD9-F246-B364-AB58F1186943}" dt="2024-08-14T14:38:05.723" v="256" actId="1076"/>
+          <ac:spMkLst>
+            <pc:docMk/>
+            <pc:sldMk cId="1071499450" sldId="307"/>
+            <ac:spMk id="2" creationId="{2A812FC2-21DE-CDE7-FF0B-50C0A84E100D}"/>
+          </ac:spMkLst>
+        </pc:spChg>
+        <pc:spChg chg="del mod">
+          <ac:chgData name="Benjamin Banwart" userId="1116b3b0e2dc197b" providerId="LiveId" clId="{C78988A0-FFD9-F246-B364-AB58F1186943}" dt="2024-08-14T14:33:10.084" v="170" actId="21"/>
+          <ac:spMkLst>
+            <pc:docMk/>
+            <pc:sldMk cId="1071499450" sldId="307"/>
+            <ac:spMk id="3" creationId="{6557E8D8-1CEC-BEB1-2477-75ADC0E1A688}"/>
+          </ac:spMkLst>
+        </pc:spChg>
+        <pc:spChg chg="mod">
+          <ac:chgData name="Benjamin Banwart" userId="1116b3b0e2dc197b" providerId="LiveId" clId="{C78988A0-FFD9-F246-B364-AB58F1186943}" dt="2024-08-14T14:33:35.995" v="223" actId="20577"/>
+          <ac:spMkLst>
+            <pc:docMk/>
+            <pc:sldMk cId="1071499450" sldId="307"/>
+            <ac:spMk id="4" creationId="{40CE5955-EE7E-A4DF-BC5A-9E68137C0EF2}"/>
+          </ac:spMkLst>
+        </pc:spChg>
+        <pc:spChg chg="add del mod">
+          <ac:chgData name="Benjamin Banwart" userId="1116b3b0e2dc197b" providerId="LiveId" clId="{C78988A0-FFD9-F246-B364-AB58F1186943}" dt="2024-08-14T14:33:38.648" v="225"/>
+          <ac:spMkLst>
+            <pc:docMk/>
+            <pc:sldMk cId="1071499450" sldId="307"/>
+            <ac:spMk id="5" creationId="{F551EA49-EE4F-A1D1-EA71-C4F0CF680D14}"/>
+          </ac:spMkLst>
+        </pc:spChg>
+        <pc:picChg chg="add mod">
+          <ac:chgData name="Benjamin Banwart" userId="1116b3b0e2dc197b" providerId="LiveId" clId="{C78988A0-FFD9-F246-B364-AB58F1186943}" dt="2024-08-14T14:38:12.523" v="258" actId="1076"/>
+          <ac:picMkLst>
+            <pc:docMk/>
+            <pc:sldMk cId="1071499450" sldId="307"/>
+            <ac:picMk id="6" creationId="{9069F1DF-A014-F310-3644-AD31B61B31FE}"/>
+          </ac:picMkLst>
+        </pc:picChg>
+      </pc:sldChg>
+      <pc:sldChg chg="delSp modSp add mod">
+        <pc:chgData name="Benjamin Banwart" userId="1116b3b0e2dc197b" providerId="LiveId" clId="{C78988A0-FFD9-F246-B364-AB58F1186943}" dt="2024-08-14T14:48:11.990" v="318" actId="1076"/>
+        <pc:sldMkLst>
+          <pc:docMk/>
+          <pc:sldMk cId="2093318568" sldId="308"/>
+        </pc:sldMkLst>
+        <pc:spChg chg="mod">
+          <ac:chgData name="Benjamin Banwart" userId="1116b3b0e2dc197b" providerId="LiveId" clId="{C78988A0-FFD9-F246-B364-AB58F1186943}" dt="2024-08-14T14:48:11.990" v="318" actId="1076"/>
+          <ac:spMkLst>
+            <pc:docMk/>
+            <pc:sldMk cId="2093318568" sldId="308"/>
+            <ac:spMk id="2" creationId="{2A812FC2-21DE-CDE7-FF0B-50C0A84E100D}"/>
+          </ac:spMkLst>
+        </pc:spChg>
+        <pc:picChg chg="del">
+          <ac:chgData name="Benjamin Banwart" userId="1116b3b0e2dc197b" providerId="LiveId" clId="{C78988A0-FFD9-F246-B364-AB58F1186943}" dt="2024-08-14T14:47:44.969" v="277" actId="478"/>
+          <ac:picMkLst>
+            <pc:docMk/>
+            <pc:sldMk cId="2093318568" sldId="308"/>
+            <ac:picMk id="6" creationId="{9069F1DF-A014-F310-3644-AD31B61B31FE}"/>
+          </ac:picMkLst>
+        </pc:picChg>
+      </pc:sldChg>
+      <pc:sldChg chg="modSp add mod">
+        <pc:chgData name="Benjamin Banwart" userId="1116b3b0e2dc197b" providerId="LiveId" clId="{C78988A0-FFD9-F246-B364-AB58F1186943}" dt="2024-08-15T15:48:58.046" v="388" actId="1076"/>
+        <pc:sldMkLst>
+          <pc:docMk/>
+          <pc:sldMk cId="3409109427" sldId="309"/>
+        </pc:sldMkLst>
+        <pc:spChg chg="mod">
+          <ac:chgData name="Benjamin Banwart" userId="1116b3b0e2dc197b" providerId="LiveId" clId="{C78988A0-FFD9-F246-B364-AB58F1186943}" dt="2024-08-14T15:16:31.448" v="385" actId="20577"/>
+          <ac:spMkLst>
+            <pc:docMk/>
+            <pc:sldMk cId="3409109427" sldId="309"/>
+            <ac:spMk id="8" creationId="{54A1A690-6A88-A840-DEA7-2F3ED4C6242D}"/>
+          </ac:spMkLst>
+        </pc:spChg>
+        <pc:spChg chg="mod">
+          <ac:chgData name="Benjamin Banwart" userId="1116b3b0e2dc197b" providerId="LiveId" clId="{C78988A0-FFD9-F246-B364-AB58F1186943}" dt="2024-08-15T15:48:58.046" v="388" actId="1076"/>
+          <ac:spMkLst>
+            <pc:docMk/>
+            <pc:sldMk cId="3409109427" sldId="309"/>
+            <ac:spMk id="11" creationId="{20D91FFC-C2BB-6F78-2890-8333B37C0D5B}"/>
+          </ac:spMkLst>
+        </pc:spChg>
+      </pc:sldChg>
+    </pc:docChg>
+  </pc:docChgLst>
 </pc:chgInfo>
 </file>
 
@@ -1691,7 +1691,7 @@
           <a:p>
             <a:fld id="{8CD26A2A-0A96-0647-84E5-C82F2EFD9474}" type="datetimeFigureOut">
               <a:rPr lang="en-US" smtClean="0"/>
-              <a:t>8/21/2024</a:t>
+              <a:t>8/22/2024</a:t>
             </a:fld>
             <a:endParaRPr lang="en-US"/>
           </a:p>
@@ -1880,7 +1880,7 @@
           <a:p>
             <a:fld id="{546253B2-FD87-4AAE-AF69-14FE02FB4D05}" type="datetimeFigureOut">
               <a:rPr lang="en-US" smtClean="0"/>
-              <a:t>8/21/2024</a:t>
+              <a:t>8/22/2024</a:t>
             </a:fld>
             <a:endParaRPr lang="en-US"/>
           </a:p>
@@ -2431,7 +2431,7 @@
           <a:bodyPr/>
           <a:lstStyle/>
           <a:p>
-            <a:endParaRPr lang="en-US" dirty="0"/>
+            <a:endParaRPr lang="en-US"/>
           </a:p>
         </p:txBody>
       </p:sp>
@@ -2515,7 +2515,7 @@
           <a:bodyPr/>
           <a:lstStyle/>
           <a:p>
-            <a:endParaRPr lang="en-US" dirty="0"/>
+            <a:endParaRPr lang="en-US"/>
           </a:p>
         </p:txBody>
       </p:sp>
@@ -23911,10 +23911,10 @@
           <a:lstStyle/>
           <a:p>
             <a:r>
-              <a:rPr lang="en-US" altLang="zh-CN" dirty="0"/>
+              <a:rPr lang="en-US" altLang="zh-CN"/>
               <a:t>Kubernetes 101</a:t>
             </a:r>
-            <a:endParaRPr lang="en-US" dirty="0"/>
+            <a:endParaRPr lang="en-US"/>
           </a:p>
         </p:txBody>
       </p:sp>
@@ -24189,7 +24189,7 @@
           <a:lstStyle/>
           <a:p>
             <a:pPr algn="ctr"/>
-            <a:endParaRPr lang="en-US" dirty="0"/>
+            <a:endParaRPr lang="en-US"/>
           </a:p>
         </p:txBody>
       </p:sp>
@@ -24231,7 +24231,7 @@
               <a:buNone/>
             </a:pPr>
             <a:r>
-              <a:rPr lang="en-US" sz="4000" dirty="0">
+              <a:rPr lang="en-US" sz="4000">
                 <a:solidFill>
                   <a:prstClr val="white"/>
                 </a:solidFill>
@@ -24282,7 +24282,7 @@
               <a:buNone/>
             </a:pPr>
             <a:r>
-              <a:rPr lang="en-US" sz="2000" dirty="0">
+              <a:rPr lang="en-US" sz="2000">
                 <a:ea typeface="Nirmala UI Semilight" panose="020B0402040204020203" pitchFamily="34" charset="0"/>
                 <a:cs typeface="Nirmala UI Semilight" panose="020B0402040204020203" pitchFamily="34" charset="0"/>
               </a:rPr>
@@ -24343,7 +24343,7 @@
           <a:lstStyle/>
           <a:p>
             <a:pPr algn="ctr"/>
-            <a:endParaRPr lang="en-US" dirty="0"/>
+            <a:endParaRPr lang="en-US"/>
           </a:p>
         </p:txBody>
       </p:sp>
@@ -24385,7 +24385,7 @@
               <a:buNone/>
             </a:pPr>
             <a:r>
-              <a:rPr lang="en-US" sz="1800" dirty="0">
+              <a:rPr lang="en-US" sz="1800">
                 <a:latin typeface="Posterama" panose="020B0504020200020000" pitchFamily="34" charset="0"/>
                 <a:ea typeface="微软雅黑"/>
                 <a:cs typeface="Posterama" panose="020B0504020200020000" pitchFamily="34" charset="0"/>
@@ -24537,7 +24537,7 @@
           <a:lstStyle/>
           <a:p>
             <a:pPr algn="ctr"/>
-            <a:endParaRPr lang="en-US" dirty="0"/>
+            <a:endParaRPr lang="en-US"/>
           </a:p>
         </p:txBody>
       </p:sp>
@@ -24593,7 +24593,7 @@
           <a:lstStyle/>
           <a:p>
             <a:pPr algn="ctr"/>
-            <a:endParaRPr lang="en-US" dirty="0"/>
+            <a:endParaRPr lang="en-US"/>
           </a:p>
         </p:txBody>
       </p:sp>
@@ -24725,7 +24725,7 @@
               <a:buNone/>
             </a:pPr>
             <a:r>
-              <a:rPr lang="en-US" sz="1800" dirty="0">
+              <a:rPr lang="en-US" sz="1800">
                 <a:latin typeface="Posterama" panose="020B0504020200020000" pitchFamily="34" charset="0"/>
                 <a:ea typeface="微软雅黑"/>
                 <a:cs typeface="Posterama" panose="020B0504020200020000" pitchFamily="34" charset="0"/>
@@ -24773,7 +24773,7 @@
               <a:buNone/>
             </a:pPr>
             <a:r>
-              <a:rPr lang="en-US" sz="1800" dirty="0">
+              <a:rPr lang="en-US" sz="1800">
                 <a:latin typeface="Posterama" panose="020B0504020200020000" pitchFamily="34" charset="0"/>
                 <a:ea typeface="微软雅黑"/>
                 <a:cs typeface="Posterama" panose="020B0504020200020000" pitchFamily="34" charset="0"/>
@@ -25224,7 +25224,7 @@
           <a:lstStyle/>
           <a:p>
             <a:r>
-              <a:rPr lang="en-US" dirty="0"/>
+              <a:rPr lang="en-US"/>
               <a:t>Time for a Demonstration</a:t>
             </a:r>
           </a:p>
@@ -25252,10 +25252,10 @@
           <a:lstStyle/>
           <a:p>
             <a:r>
-              <a:rPr lang="en-US" dirty="0"/>
+              <a:rPr lang="en-US"/>
               <a:t>Kubernetes 101</a:t>
             </a:r>
-            <a:endParaRPr lang="en-US" noProof="0" dirty="0"/>
+            <a:endParaRPr lang="en-US" noProof="0"/>
           </a:p>
         </p:txBody>
       </p:sp>
@@ -25346,7 +25346,7 @@
           <a:lstStyle/>
           <a:p>
             <a:r>
-              <a:rPr lang="en-US" dirty="0"/>
+              <a:rPr lang="en-US"/>
               <a:t>Any Questions?</a:t>
             </a:r>
           </a:p>
@@ -25374,10 +25374,10 @@
           <a:lstStyle/>
           <a:p>
             <a:r>
-              <a:rPr lang="en-US" dirty="0"/>
+              <a:rPr lang="en-US"/>
               <a:t>Kubernetes 101</a:t>
             </a:r>
-            <a:endParaRPr lang="en-US" noProof="0" dirty="0"/>
+            <a:endParaRPr lang="en-US" noProof="0"/>
           </a:p>
         </p:txBody>
       </p:sp>
@@ -25461,7 +25461,7 @@
           <a:lstStyle/>
           <a:p>
             <a:r>
-              <a:rPr lang="en-US" dirty="0"/>
+              <a:rPr lang="en-US"/>
               <a:t>Benji Banwart</a:t>
             </a:r>
           </a:p>
@@ -25522,7 +25522,7 @@
           <a:lstStyle/>
           <a:p>
             <a:r>
-              <a:rPr lang="en-US" dirty="0"/>
+              <a:rPr lang="en-US"/>
               <a:t>Overview</a:t>
             </a:r>
           </a:p>
@@ -25550,7 +25550,7 @@
           <a:lstStyle/>
           <a:p>
             <a:r>
-              <a:rPr lang="en-US" dirty="0"/>
+              <a:rPr lang="en-US"/>
               <a:t>What is Kubernetes?</a:t>
             </a:r>
           </a:p>
@@ -25578,18 +25578,18 @@
           <a:lstStyle/>
           <a:p>
             <a:r>
-              <a:rPr lang="en-US" dirty="0"/>
+              <a:rPr lang="en-US"/>
               <a:t>An open-source platform designed to automate the deployment, scaling, and operation of application containers</a:t>
             </a:r>
           </a:p>
           <a:p>
             <a:r>
-              <a:rPr lang="en-US" dirty="0"/>
+              <a:rPr lang="en-US"/>
               <a:t>Originally developed by Google and now maintained by the Cloud Native Computing Foundation (CNCF) as well as open-source contributors</a:t>
             </a:r>
           </a:p>
           <a:p>
-            <a:endParaRPr lang="en-US" dirty="0"/>
+            <a:endParaRPr lang="en-US"/>
           </a:p>
         </p:txBody>
       </p:sp>
@@ -25620,7 +25620,7 @@
           <a:lstStyle/>
           <a:p>
             <a:r>
-              <a:rPr lang="en-US" dirty="0"/>
+              <a:rPr lang="en-US"/>
               <a:t>Why is it important?</a:t>
             </a:r>
           </a:p>
@@ -25653,51 +25653,51 @@
           <a:lstStyle/>
           <a:p>
             <a:r>
-              <a:rPr lang="en-US" b="1" dirty="0"/>
+              <a:rPr lang="en-US" b="1"/>
               <a:t>Scalability:</a:t>
             </a:r>
             <a:r>
-              <a:rPr lang="en-US" dirty="0"/>
+              <a:rPr lang="en-US"/>
               <a:t> Automatically manages the scaling of containerized applications</a:t>
             </a:r>
           </a:p>
           <a:p>
             <a:r>
-              <a:rPr lang="en-US" b="1" dirty="0"/>
+              <a:rPr lang="en-US" b="1"/>
               <a:t>High Availability:</a:t>
             </a:r>
             <a:r>
-              <a:rPr lang="en-US" dirty="0"/>
+              <a:rPr lang="en-US"/>
               <a:t> Ensures applications are always running and accessible</a:t>
             </a:r>
           </a:p>
           <a:p>
             <a:r>
-              <a:rPr lang="en-US" b="1" dirty="0"/>
+              <a:rPr lang="en-US" b="1"/>
               <a:t>Flexibility:</a:t>
             </a:r>
             <a:r>
-              <a:rPr lang="en-US" dirty="0"/>
+              <a:rPr lang="en-US"/>
               <a:t> Supports a wide range of container tools and orchestration platforms</a:t>
             </a:r>
           </a:p>
           <a:p>
             <a:r>
-              <a:rPr lang="en-US" b="1" dirty="0"/>
+              <a:rPr lang="en-US" b="1"/>
               <a:t>Portability:</a:t>
             </a:r>
             <a:r>
-              <a:rPr lang="en-US" dirty="0"/>
+              <a:rPr lang="en-US"/>
               <a:t> Enables consistent environments across development, testing, and production</a:t>
             </a:r>
           </a:p>
           <a:p>
             <a:r>
-              <a:rPr lang="en-US" b="1" dirty="0"/>
+              <a:rPr lang="en-US" b="1"/>
               <a:t>Community Support:</a:t>
             </a:r>
             <a:r>
-              <a:rPr lang="en-US" dirty="0"/>
+              <a:rPr lang="en-US"/>
               <a:t> Backed by a large, active community contributing to continuous improvement and innovation</a:t>
             </a:r>
           </a:p>
@@ -25872,7 +25872,7 @@
               </a:pPr>
               <a:t>2</a:t>
             </a:fld>
-            <a:endParaRPr kumimoji="0" lang="en-US" altLang="zh-CN" sz="1200" u="none" strike="noStrike" kern="1200" cap="none" spc="0" normalizeH="0" baseline="0" dirty="0">
+            <a:endParaRPr kumimoji="0" lang="en-US" altLang="zh-CN" sz="1200" u="none" strike="noStrike" kern="1200" cap="none" spc="0" normalizeH="0" baseline="0">
               <a:ln>
                 <a:noFill/>
               </a:ln>
@@ -25941,7 +25941,6 @@
               <a:rPr lang="en-US"/>
               <a:t>Basic Components</a:t>
             </a:r>
-            <a:endParaRPr lang="en-US" dirty="0"/>
           </a:p>
         </p:txBody>
       </p:sp>
@@ -25972,7 +25971,7 @@
           <a:lstStyle/>
           <a:p>
             <a:r>
-              <a:rPr lang="en-US" dirty="0"/>
+              <a:rPr lang="en-US"/>
               <a:t>Cluster</a:t>
             </a:r>
           </a:p>
@@ -26005,7 +26004,7 @@
           <a:lstStyle/>
           <a:p>
             <a:r>
-              <a:rPr lang="en-US" dirty="0"/>
+              <a:rPr lang="en-US"/>
               <a:t>Node</a:t>
             </a:r>
           </a:p>
@@ -26038,7 +26037,7 @@
           <a:lstStyle/>
           <a:p>
             <a:r>
-              <a:rPr lang="en-US" dirty="0"/>
+              <a:rPr lang="en-US"/>
               <a:t>Pod</a:t>
             </a:r>
           </a:p>
@@ -26070,10 +26069,10 @@
           <a:bodyPr/>
           <a:lstStyle/>
           <a:p>
-            <a:endParaRPr lang="en-US" altLang="zh-CN" dirty="0"/>
-          </a:p>
-          <a:p>
-            <a:endParaRPr lang="en-US" dirty="0"/>
+            <a:endParaRPr lang="en-US" altLang="zh-CN"/>
+          </a:p>
+          <a:p>
+            <a:endParaRPr lang="en-US"/>
           </a:p>
         </p:txBody>
       </p:sp>
@@ -26104,7 +26103,7 @@
           <a:lstStyle/>
           <a:p>
             <a:r>
-              <a:rPr lang="en-US" dirty="0"/>
+              <a:rPr lang="en-US"/>
               <a:t>Service</a:t>
             </a:r>
           </a:p>
@@ -26137,7 +26136,7 @@
           <a:lstStyle/>
           <a:p>
             <a:r>
-              <a:rPr lang="en-US" altLang="zh-CN" dirty="0"/>
+              <a:rPr lang="en-US" altLang="zh-CN"/>
               <a:t>Persistent Volume</a:t>
             </a:r>
           </a:p>
@@ -26365,7 +26364,7 @@
           <a:lstStyle/>
           <a:p>
             <a:pPr algn="ctr"/>
-            <a:endParaRPr lang="en-US" dirty="0"/>
+            <a:endParaRPr lang="en-US"/>
           </a:p>
         </p:txBody>
       </p:sp>
@@ -26407,7 +26406,7 @@
               <a:buNone/>
             </a:pPr>
             <a:r>
-              <a:rPr lang="en-US" sz="4000" dirty="0">
+              <a:rPr lang="en-US" sz="4000">
                 <a:solidFill>
                   <a:prstClr val="white"/>
                 </a:solidFill>
@@ -26458,7 +26457,7 @@
               <a:buNone/>
             </a:pPr>
             <a:r>
-              <a:rPr lang="en-US" sz="2000" dirty="0">
+              <a:rPr lang="en-US" sz="2000">
                 <a:ea typeface="Nirmala UI Semilight" panose="020B0402040204020203" pitchFamily="34" charset="0"/>
                 <a:cs typeface="Nirmala UI Semilight" panose="020B0402040204020203" pitchFamily="34" charset="0"/>
               </a:rPr>
@@ -26519,7 +26518,7 @@
           <a:lstStyle/>
           <a:p>
             <a:pPr algn="ctr"/>
-            <a:endParaRPr lang="en-US" dirty="0"/>
+            <a:endParaRPr lang="en-US"/>
           </a:p>
         </p:txBody>
       </p:sp>
@@ -26561,7 +26560,7 @@
               <a:buNone/>
             </a:pPr>
             <a:r>
-              <a:rPr lang="en-US" sz="1800" dirty="0">
+              <a:rPr lang="en-US" sz="1800">
                 <a:latin typeface="Posterama" panose="020B0504020200020000" pitchFamily="34" charset="0"/>
                 <a:ea typeface="微软雅黑"/>
                 <a:cs typeface="Posterama" panose="020B0504020200020000" pitchFamily="34" charset="0"/>
@@ -26713,7 +26712,7 @@
           <a:lstStyle/>
           <a:p>
             <a:pPr algn="ctr"/>
-            <a:endParaRPr lang="en-US" dirty="0"/>
+            <a:endParaRPr lang="en-US"/>
           </a:p>
         </p:txBody>
       </p:sp>
@@ -26769,7 +26768,7 @@
           <a:lstStyle/>
           <a:p>
             <a:pPr algn="ctr"/>
-            <a:endParaRPr lang="en-US" dirty="0"/>
+            <a:endParaRPr lang="en-US"/>
           </a:p>
         </p:txBody>
       </p:sp>
@@ -26901,7 +26900,7 @@
               <a:buNone/>
             </a:pPr>
             <a:r>
-              <a:rPr lang="en-US" sz="1800" dirty="0">
+              <a:rPr lang="en-US" sz="1800">
                 <a:latin typeface="Posterama" panose="020B0504020200020000" pitchFamily="34" charset="0"/>
                 <a:ea typeface="微软雅黑"/>
                 <a:cs typeface="Posterama" panose="020B0504020200020000" pitchFamily="34" charset="0"/>
@@ -26949,7 +26948,7 @@
               <a:buNone/>
             </a:pPr>
             <a:r>
-              <a:rPr lang="en-US" sz="1800" dirty="0">
+              <a:rPr lang="en-US" sz="1800">
                 <a:latin typeface="Posterama" panose="020B0504020200020000" pitchFamily="34" charset="0"/>
                 <a:ea typeface="微软雅黑"/>
                 <a:cs typeface="Posterama" panose="020B0504020200020000" pitchFamily="34" charset="0"/>
@@ -27441,7 +27440,7 @@
               <a:buChar char="•"/>
             </a:pPr>
             <a:r>
-              <a:rPr lang="en-US" sz="2000" dirty="0">
+              <a:rPr lang="en-US" sz="2000">
                 <a:solidFill>
                   <a:schemeClr val="bg2"/>
                 </a:solidFill>
@@ -27460,7 +27459,7 @@
               <a:buFont typeface="Arial" panose="020B0604020202020204" pitchFamily="34" charset="0"/>
               <a:buChar char="•"/>
             </a:pPr>
-            <a:endParaRPr lang="en-US" sz="2000" dirty="0">
+            <a:endParaRPr lang="en-US" sz="2000">
               <a:solidFill>
                 <a:schemeClr val="bg2"/>
               </a:solidFill>
@@ -27481,7 +27480,7 @@
               <a:buChar char="•"/>
             </a:pPr>
             <a:r>
-              <a:rPr lang="en-US" sz="2000" dirty="0">
+              <a:rPr lang="en-US" sz="2000">
                 <a:solidFill>
                   <a:schemeClr val="bg2"/>
                 </a:solidFill>
@@ -27532,7 +27531,7 @@
               <a:buNone/>
             </a:pPr>
             <a:r>
-              <a:rPr lang="en-US" sz="2400" dirty="0">
+              <a:rPr lang="en-US" sz="2400">
                 <a:solidFill>
                   <a:prstClr val="white"/>
                 </a:solidFill>
@@ -27613,7 +27612,7 @@
               <a:buChar char="•"/>
             </a:pPr>
             <a:r>
-              <a:rPr lang="en-US" sz="2000" dirty="0">
+              <a:rPr lang="en-US" sz="2000">
                 <a:solidFill>
                   <a:schemeClr val="bg2"/>
                 </a:solidFill>
@@ -27635,7 +27634,7 @@
               <a:buFont typeface="Arial" panose="020B0604020202020204" pitchFamily="34" charset="0"/>
               <a:buChar char="•"/>
             </a:pPr>
-            <a:endParaRPr lang="en-US" sz="2000" dirty="0">
+            <a:endParaRPr lang="en-US" sz="2000">
               <a:solidFill>
                 <a:schemeClr val="bg2"/>
               </a:solidFill>
@@ -27656,7 +27655,7 @@
               <a:buChar char="•"/>
             </a:pPr>
             <a:r>
-              <a:rPr lang="en-US" sz="2000" dirty="0">
+              <a:rPr lang="en-US" sz="2000">
                 <a:solidFill>
                   <a:schemeClr val="bg2"/>
                 </a:solidFill>
@@ -27678,7 +27677,7 @@
               <a:buFont typeface="Arial" panose="020B0604020202020204" pitchFamily="34" charset="0"/>
               <a:buChar char="•"/>
             </a:pPr>
-            <a:endParaRPr lang="en-US" sz="2000" dirty="0">
+            <a:endParaRPr lang="en-US" sz="2000">
               <a:solidFill>
                 <a:schemeClr val="bg2"/>
               </a:solidFill>
@@ -27699,7 +27698,7 @@
               <a:buChar char="•"/>
             </a:pPr>
             <a:r>
-              <a:rPr lang="en-US" sz="2000" dirty="0">
+              <a:rPr lang="en-US" sz="2000">
                 <a:solidFill>
                   <a:schemeClr val="bg2"/>
                 </a:solidFill>
@@ -27810,7 +27809,7 @@
               <a:buChar char="•"/>
             </a:pPr>
             <a:r>
-              <a:rPr lang="en-US" sz="2000" dirty="0">
+              <a:rPr lang="en-US" sz="2000">
                 <a:solidFill>
                   <a:schemeClr val="bg1"/>
                 </a:solidFill>
@@ -27829,7 +27828,7 @@
               <a:buFont typeface="Arial" panose="020B0604020202020204" pitchFamily="34" charset="0"/>
               <a:buChar char="•"/>
             </a:pPr>
-            <a:endParaRPr lang="en-US" sz="2000" dirty="0">
+            <a:endParaRPr lang="en-US" sz="2000">
               <a:solidFill>
                 <a:schemeClr val="bg1"/>
               </a:solidFill>
@@ -27850,7 +27849,7 @@
               <a:buChar char="•"/>
             </a:pPr>
             <a:r>
-              <a:rPr lang="en-US" sz="2000" dirty="0">
+              <a:rPr lang="en-US" sz="2000">
                 <a:solidFill>
                   <a:schemeClr val="bg1"/>
                 </a:solidFill>
@@ -27869,7 +27868,7 @@
               <a:buFont typeface="Arial" panose="020B0604020202020204" pitchFamily="34" charset="0"/>
               <a:buChar char="•"/>
             </a:pPr>
-            <a:endParaRPr lang="en-US" sz="2000" dirty="0">
+            <a:endParaRPr lang="en-US" sz="2000">
               <a:solidFill>
                 <a:schemeClr val="bg2"/>
               </a:solidFill>
@@ -27890,7 +27889,7 @@
               <a:buChar char="•"/>
             </a:pPr>
             <a:r>
-              <a:rPr lang="en-US" sz="2000" dirty="0">
+              <a:rPr lang="en-US" sz="2000">
                 <a:solidFill>
                   <a:schemeClr val="bg2"/>
                 </a:solidFill>
@@ -27912,7 +27911,7 @@
               <a:buFont typeface="Arial" panose="020B0604020202020204" pitchFamily="34" charset="0"/>
               <a:buChar char="•"/>
             </a:pPr>
-            <a:endParaRPr lang="en-US" sz="2000" dirty="0">
+            <a:endParaRPr lang="en-US" sz="2000">
               <a:solidFill>
                 <a:schemeClr val="bg2"/>
               </a:solidFill>
@@ -27933,7 +27932,7 @@
               <a:buChar char="•"/>
             </a:pPr>
             <a:r>
-              <a:rPr lang="en-US" sz="2000" dirty="0">
+              <a:rPr lang="en-US" sz="2000">
                 <a:solidFill>
                   <a:schemeClr val="bg2"/>
                 </a:solidFill>
@@ -28044,7 +28043,7 @@
               <a:buChar char="•"/>
             </a:pPr>
             <a:r>
-              <a:rPr lang="en-US" sz="2000" dirty="0">
+              <a:rPr lang="en-US" sz="2000">
                 <a:solidFill>
                   <a:schemeClr val="bg1"/>
                 </a:solidFill>
@@ -28066,7 +28065,7 @@
               <a:buFont typeface="Arial" panose="020B0604020202020204" pitchFamily="34" charset="0"/>
               <a:buChar char="•"/>
             </a:pPr>
-            <a:endParaRPr lang="en-US" sz="2000" dirty="0">
+            <a:endParaRPr lang="en-US" sz="2000">
               <a:solidFill>
                 <a:schemeClr val="bg1"/>
               </a:solidFill>
@@ -28087,7 +28086,7 @@
               <a:buChar char="•"/>
             </a:pPr>
             <a:r>
-              <a:rPr lang="en-US" sz="2000" dirty="0">
+              <a:rPr lang="en-US" sz="2000">
                 <a:solidFill>
                   <a:schemeClr val="bg1"/>
                 </a:solidFill>
@@ -28107,7 +28106,7 @@
                 <a:spcPts val="0"/>
               </a:spcBef>
             </a:pPr>
-            <a:endParaRPr lang="en-US" sz="2000" dirty="0">
+            <a:endParaRPr lang="en-US" sz="2000">
               <a:solidFill>
                 <a:schemeClr val="bg2"/>
               </a:solidFill>
@@ -28128,7 +28127,7 @@
               <a:buChar char="•"/>
             </a:pPr>
             <a:r>
-              <a:rPr lang="en-US" sz="2000" dirty="0">
+              <a:rPr lang="en-US" sz="2000">
                 <a:solidFill>
                   <a:schemeClr val="bg2"/>
                 </a:solidFill>
@@ -28236,7 +28235,7 @@
                 <a:spcPts val="0"/>
               </a:spcBef>
             </a:pPr>
-            <a:endParaRPr lang="en-US" sz="2000" dirty="0">
+            <a:endParaRPr lang="en-US" sz="2000">
               <a:solidFill>
                 <a:schemeClr val="bg1"/>
               </a:solidFill>
@@ -28257,7 +28256,7 @@
               <a:buChar char="•"/>
             </a:pPr>
             <a:r>
-              <a:rPr lang="en-US" sz="2000" dirty="0">
+              <a:rPr lang="en-US" sz="2000">
                 <a:solidFill>
                   <a:schemeClr val="bg1"/>
                 </a:solidFill>
@@ -28337,7 +28336,7 @@
               <a:buNone/>
             </a:pPr>
             <a:r>
-              <a:rPr lang="en-US" sz="1800" dirty="0">
+              <a:rPr lang="en-US" sz="1800">
                 <a:solidFill>
                   <a:prstClr val="white"/>
                 </a:solidFill>
@@ -29180,6 +29179,15 @@
 </file>
 
 <file path=customXml/item1.xml><?xml version="1.0" encoding="utf-8"?>
+<?mso-contentType ?>
+<FormTemplates xmlns="http://schemas.microsoft.com/sharepoint/v3/contenttype/forms">
+  <Display>DocumentLibraryForm</Display>
+  <Edit>DocumentLibraryForm</Edit>
+  <New>DocumentLibraryForm</New>
+</FormTemplates>
+</file>
+
+<file path=customXml/item2.xml><?xml version="1.0" encoding="utf-8"?>
 <p:properties xmlns:p="http://schemas.microsoft.com/office/2006/metadata/properties" xmlns:xsi="http://www.w3.org/2001/XMLSchema-instance" xmlns:pc="http://schemas.microsoft.com/office/infopath/2007/PartnerControls">
   <documentManagement>
     <_ip_UnifiedCompliancePolicyUIAction xmlns="http://schemas.microsoft.com/sharepoint/v3" xsi:nil="true"/>
@@ -29197,15 +29205,6 @@
     <MediaServiceKeyPoints xmlns="71af3243-3dd4-4a8d-8c0d-dd76da1f02a5" xsi:nil="true"/>
   </documentManagement>
 </p:properties>
-</file>
-
-<file path=customXml/item2.xml><?xml version="1.0" encoding="utf-8"?>
-<?mso-contentType ?>
-<FormTemplates xmlns="http://schemas.microsoft.com/sharepoint/v3/contenttype/forms">
-  <Display>DocumentLibraryForm</Display>
-  <Edit>DocumentLibraryForm</Edit>
-  <New>DocumentLibraryForm</New>
-</FormTemplates>
 </file>
 
 <file path=customXml/item3.xml><?xml version="1.0" encoding="utf-8"?>
@@ -29521,6 +29520,14 @@
 </file>
 
 <file path=customXml/itemProps1.xml><?xml version="1.0" encoding="utf-8"?>
+<ds:datastoreItem xmlns:ds="http://schemas.openxmlformats.org/officeDocument/2006/customXml" ds:itemID="{F8C25491-3B09-4F3E-8C86-936D290E4013}">
+  <ds:schemaRefs>
+    <ds:schemaRef ds:uri="http://schemas.microsoft.com/sharepoint/v3/contenttype/forms"/>
+  </ds:schemaRefs>
+</ds:datastoreItem>
+</file>
+
+<file path=customXml/itemProps2.xml><?xml version="1.0" encoding="utf-8"?>
 <ds:datastoreItem xmlns:ds="http://schemas.openxmlformats.org/officeDocument/2006/customXml" ds:itemID="{F4D5854E-F453-4846-A87D-6EF3DCF73E3E}">
   <ds:schemaRefs>
     <ds:schemaRef ds:uri="230e9df3-be65-4c73-a93b-d1236ebd677e"/>
@@ -29528,14 +29535,6 @@
     <ds:schemaRef ds:uri="http://schemas.microsoft.com/office/2006/metadata/properties"/>
     <ds:schemaRef ds:uri="http://schemas.microsoft.com/office/infopath/2007/PartnerControls"/>
     <ds:schemaRef ds:uri="http://schemas.microsoft.com/sharepoint/v3"/>
-  </ds:schemaRefs>
-</ds:datastoreItem>
-</file>
-
-<file path=customXml/itemProps2.xml><?xml version="1.0" encoding="utf-8"?>
-<ds:datastoreItem xmlns:ds="http://schemas.openxmlformats.org/officeDocument/2006/customXml" ds:itemID="{F8C25491-3B09-4F3E-8C86-936D290E4013}">
-  <ds:schemaRefs>
-    <ds:schemaRef ds:uri="http://schemas.microsoft.com/sharepoint/v3/contenttype/forms"/>
   </ds:schemaRefs>
 </ds:datastoreItem>
 </file>
@@ -29559,8 +29558,4 @@
     <ds:schemaRef ds:uri="http://www.w3.org/2001/XMLSchema"/>
   </ds:schemaRefs>
 </ds:datastoreItem>
-</file>
-
-<file path=docMetadata/LabelInfo.xml><?xml version="1.0" encoding="utf-8"?>
-<clbl:labelList xmlns:clbl="http://schemas.microsoft.com/office/2020/mipLabelMetadata"/>
 </file>